--- a/Presentation.pptx
+++ b/Presentation.pptx
@@ -10,9 +10,9 @@
   <p:sldIdLst>
     <p:sldId id="256" r:id="rId2"/>
     <p:sldId id="263" r:id="rId3"/>
-    <p:sldId id="257" r:id="rId4"/>
-    <p:sldId id="282" r:id="rId5"/>
-    <p:sldId id="262" r:id="rId6"/>
+    <p:sldId id="262" r:id="rId4"/>
+    <p:sldId id="257" r:id="rId5"/>
+    <p:sldId id="282" r:id="rId6"/>
     <p:sldId id="264" r:id="rId7"/>
     <p:sldId id="265" r:id="rId8"/>
     <p:sldId id="258" r:id="rId9"/>
@@ -4504,8 +4504,8 @@
     <dgm:cxn modelId="{06BF7A07-7648-482E-B86F-862E728DB7E6}" srcId="{47E76CBE-9D10-4809-B48F-0375343E95DD}" destId="{181A9922-550B-4352-982E-0D3A48E00A53}" srcOrd="3" destOrd="0" parTransId="{BE7E2181-5202-495D-B29F-35799FAEC009}" sibTransId="{6F086D86-C883-400F-A086-E5CBFEE13E93}"/>
     <dgm:cxn modelId="{B808A80D-5F6F-4CB0-B955-FAAD44381E15}" type="presOf" srcId="{71574693-DFB7-4291-B50C-9C3B4C23BF62}" destId="{2EDF76C2-140D-489D-BA9C-6174CCD77D54}" srcOrd="0" destOrd="0" presId="urn:microsoft.com/office/officeart/2008/layout/LinedList"/>
     <dgm:cxn modelId="{F94FA22E-9DB7-49EF-A13D-72D441BC185B}" srcId="{47E76CBE-9D10-4809-B48F-0375343E95DD}" destId="{AE9C466B-6638-496F-B6BE-35BEE3B0A9C0}" srcOrd="4" destOrd="0" parTransId="{464B8273-767B-4483-A49C-1CE4E2392F82}" sibTransId="{A061E0F8-56B1-44D6-BE09-842A2BD5A7B8}"/>
+    <dgm:cxn modelId="{B8361A4C-5118-40BC-BE3E-47340193901D}" srcId="{47E76CBE-9D10-4809-B48F-0375343E95DD}" destId="{D49D1592-FACA-4D71-97D5-492B587BE5A3}" srcOrd="0" destOrd="0" parTransId="{46D8D578-8DE6-4D6A-8F13-A42B23BAFDC2}" sibTransId="{82B5860C-922E-49C5-A944-908D1198BCA6}"/>
     <dgm:cxn modelId="{CABBF264-5ED7-4971-9069-7097DEF4D95E}" srcId="{47E76CBE-9D10-4809-B48F-0375343E95DD}" destId="{71574693-DFB7-4291-B50C-9C3B4C23BF62}" srcOrd="2" destOrd="0" parTransId="{C1768038-1572-49CF-A2B7-C0E4D4ABF3F0}" sibTransId="{98588954-1585-451F-93F8-573316E72EF7}"/>
-    <dgm:cxn modelId="{B8361A4C-5118-40BC-BE3E-47340193901D}" srcId="{47E76CBE-9D10-4809-B48F-0375343E95DD}" destId="{D49D1592-FACA-4D71-97D5-492B587BE5A3}" srcOrd="0" destOrd="0" parTransId="{46D8D578-8DE6-4D6A-8F13-A42B23BAFDC2}" sibTransId="{82B5860C-922E-49C5-A944-908D1198BCA6}"/>
     <dgm:cxn modelId="{63BB7DB0-45CB-4D18-AA15-4663F5847D6F}" type="presOf" srcId="{181A9922-550B-4352-982E-0D3A48E00A53}" destId="{A9924F27-4EB7-470D-91B3-353FC7FE243E}" srcOrd="0" destOrd="0" presId="urn:microsoft.com/office/officeart/2008/layout/LinedList"/>
     <dgm:cxn modelId="{C7AB63BE-0DA0-42E2-8EB6-FDB736E650F4}" type="presOf" srcId="{1F264579-10AE-4A02-B574-E64CC455E0F7}" destId="{6FDEB92D-CED3-4BEA-8CF9-1EA41C7079E6}" srcOrd="0" destOrd="0" presId="urn:microsoft.com/office/officeart/2008/layout/LinedList"/>
     <dgm:cxn modelId="{163615C8-E511-40F7-AF18-4208D0CBBDCB}" type="presOf" srcId="{47E76CBE-9D10-4809-B48F-0375343E95DD}" destId="{99953F5F-5605-40BC-AB97-D8256A642D17}" srcOrd="0" destOrd="0" presId="urn:microsoft.com/office/officeart/2008/layout/LinedList"/>
@@ -5184,8 +5184,8 @@
   <dgm:cxnLst>
     <dgm:cxn modelId="{2381463C-1D05-4A86-8743-26E57F4114EA}" srcId="{B08352FB-8D9C-4E8E-B25C-22883E1713B1}" destId="{4B6EEE95-9BA4-4684-BBF0-60D1E434A279}" srcOrd="4" destOrd="0" parTransId="{E5A513C8-B160-43A6-BC4E-1F5AB3BD8F40}" sibTransId="{176D6A4E-A0DC-4BE8-84B8-D34AF7818996}"/>
     <dgm:cxn modelId="{F6FDC33C-8E1D-4C8D-89DF-2FC0054ADC4B}" srcId="{B08352FB-8D9C-4E8E-B25C-22883E1713B1}" destId="{C71AC247-087A-4B4F-890F-23BF190AC823}" srcOrd="1" destOrd="0" parTransId="{40ADD1F7-6021-461C-8F27-8E591CE72E9A}" sibTransId="{3C69E81A-16F8-414E-97AE-9A10814E47B5}"/>
+    <dgm:cxn modelId="{0F304B4D-DB67-4D74-B284-D49116C7F538}" type="presOf" srcId="{619207CB-1220-4D9D-B178-954DEB8AC4EF}" destId="{D6C391B3-B3BA-4E3E-8C0F-1AAC23CF96D3}" srcOrd="0" destOrd="0" presId="urn:microsoft.com/office/officeart/2008/layout/LinedList"/>
     <dgm:cxn modelId="{18020560-F618-4FC6-BEF5-777F15579054}" srcId="{B08352FB-8D9C-4E8E-B25C-22883E1713B1}" destId="{619207CB-1220-4D9D-B178-954DEB8AC4EF}" srcOrd="3" destOrd="0" parTransId="{E65B5CA3-100F-48EA-8FFC-3298114769A0}" sibTransId="{44B4E4BA-0B57-4CA0-B1EE-FF5E316A5E0C}"/>
-    <dgm:cxn modelId="{0F304B4D-DB67-4D74-B284-D49116C7F538}" type="presOf" srcId="{619207CB-1220-4D9D-B178-954DEB8AC4EF}" destId="{D6C391B3-B3BA-4E3E-8C0F-1AAC23CF96D3}" srcOrd="0" destOrd="0" presId="urn:microsoft.com/office/officeart/2008/layout/LinedList"/>
     <dgm:cxn modelId="{9B2D5B70-6A4A-4A73-9C58-A77E4FC46149}" srcId="{B08352FB-8D9C-4E8E-B25C-22883E1713B1}" destId="{2057A223-C41D-45D6-9644-B38E159CA680}" srcOrd="2" destOrd="0" parTransId="{7740C1AE-FFA2-4F6A-ABDF-6C03402CAAC6}" sibTransId="{8E30094B-D8BF-4FCF-940C-135524D7F9F5}"/>
     <dgm:cxn modelId="{BAD4DE8B-BEA0-44E3-ACF4-CD7C74E35FDA}" type="presOf" srcId="{B08352FB-8D9C-4E8E-B25C-22883E1713B1}" destId="{7013D07E-7596-48D9-A5A5-67E0C03A7690}" srcOrd="0" destOrd="0" presId="urn:microsoft.com/office/officeart/2008/layout/LinedList"/>
     <dgm:cxn modelId="{ECB55294-739E-4A43-B02A-3F50D991DE53}" type="presOf" srcId="{C71AC247-087A-4B4F-890F-23BF190AC823}" destId="{90B4EF64-9956-4F9C-8CD2-663A8EED2925}" srcOrd="0" destOrd="0" presId="urn:microsoft.com/office/officeart/2008/layout/LinedList"/>
@@ -5381,8 +5381,8 @@
   </dgm:ptLst>
   <dgm:cxnLst>
     <dgm:cxn modelId="{7CE51B1E-93ED-4767-9A75-26ED323990BF}" srcId="{253F609D-1DC8-448B-AC62-AB3CE43291CF}" destId="{2EF61350-D1E9-4A4B-9079-D65B7E139F32}" srcOrd="0" destOrd="0" parTransId="{0E14DE05-EA2E-433B-AAB0-E1E52308548C}" sibTransId="{87814AF7-566A-4E00-89A1-F2AC2D3C7ED9}"/>
+    <dgm:cxn modelId="{0E838144-3455-415F-949B-40EDDDBBAA0C}" type="presOf" srcId="{9469EDB0-3E91-44B5-AA28-0754CF7B0F74}" destId="{6D553653-65E6-44E0-B3C0-2A6D8529C4CD}" srcOrd="0" destOrd="0" presId="urn:microsoft.com/office/officeart/2008/layout/LinedList"/>
     <dgm:cxn modelId="{B191D063-ECB8-4B29-8262-DEBBF6415304}" type="presOf" srcId="{2EF61350-D1E9-4A4B-9079-D65B7E139F32}" destId="{7E3D023E-0982-4E07-A43E-73A44F9917C9}" srcOrd="0" destOrd="0" presId="urn:microsoft.com/office/officeart/2008/layout/LinedList"/>
-    <dgm:cxn modelId="{0E838144-3455-415F-949B-40EDDDBBAA0C}" type="presOf" srcId="{9469EDB0-3E91-44B5-AA28-0754CF7B0F74}" destId="{6D553653-65E6-44E0-B3C0-2A6D8529C4CD}" srcOrd="0" destOrd="0" presId="urn:microsoft.com/office/officeart/2008/layout/LinedList"/>
     <dgm:cxn modelId="{A516A67F-730C-44C3-B571-53943015DD8D}" srcId="{253F609D-1DC8-448B-AC62-AB3CE43291CF}" destId="{9469EDB0-3E91-44B5-AA28-0754CF7B0F74}" srcOrd="1" destOrd="0" parTransId="{D82E29F7-7C1E-4B2B-BFC6-59DA723E8564}" sibTransId="{3061D74D-AA6C-4EBC-8C4A-BDE0BF3335AA}"/>
     <dgm:cxn modelId="{3FC0BAA1-BE6F-423A-8C52-8025A6E3EBCE}" type="presOf" srcId="{253F609D-1DC8-448B-AC62-AB3CE43291CF}" destId="{E259A58B-8DE9-4529-80BE-CEED7BCDDD16}" srcOrd="0" destOrd="0" presId="urn:microsoft.com/office/officeart/2008/layout/LinedList"/>
     <dgm:cxn modelId="{E186C94C-41A6-44B7-8605-D5BD176520E4}" type="presParOf" srcId="{E259A58B-8DE9-4529-80BE-CEED7BCDDD16}" destId="{221ED505-11CD-47BB-8731-2A5D2E7F1884}" srcOrd="0" destOrd="0" presId="urn:microsoft.com/office/officeart/2008/layout/LinedList"/>
@@ -15097,7 +15097,7 @@
           <a:p>
             <a:fld id="{0E66060B-697B-4D9B-AF18-0E5AE1D6B3E4}" type="datetimeFigureOut">
               <a:rPr lang="el-GR"/>
-              <a:t>15/12/2021</a:t>
+              <a:t>17/12/21</a:t>
             </a:fld>
             <a:endParaRPr lang="el-GR"/>
           </a:p>
@@ -15527,7 +15527,7 @@
           <a:p>
             <a:fld id="{72EA7947-E287-4738-8C82-07CE4F01EF03}" type="datetime2">
               <a:rPr lang="en-US" smtClean="0"/>
-              <a:t>Wednesday, December 15, 2021</a:t>
+              <a:t>Friday, December 17, 2021</a:t>
             </a:fld>
             <a:endParaRPr lang="en-US"/>
           </a:p>
@@ -16562,7 +16562,7 @@
           <a:p>
             <a:fld id="{EE2EBD84-71F4-4271-8C46-0D47C0A9B12E}" type="datetime2">
               <a:rPr lang="en-US" smtClean="0"/>
-              <a:t>Wednesday, December 15, 2021</a:t>
+              <a:t>Friday, December 17, 2021</a:t>
             </a:fld>
             <a:endParaRPr lang="en-US"/>
           </a:p>
@@ -16773,7 +16773,7 @@
           <a:p>
             <a:fld id="{ABAE0CE1-F450-4107-B2CB-17B18F8A3F4A}" type="datetime2">
               <a:rPr lang="en-US" smtClean="0"/>
-              <a:t>Wednesday, December 15, 2021</a:t>
+              <a:t>Friday, December 17, 2021</a:t>
             </a:fld>
             <a:endParaRPr lang="en-US"/>
           </a:p>
@@ -17436,7 +17436,7 @@
           <a:p>
             <a:fld id="{6FE8C025-CD7A-4966-867E-81CF82B15267}" type="datetime2">
               <a:rPr lang="en-US" smtClean="0"/>
-              <a:t>Wednesday, December 15, 2021</a:t>
+              <a:t>Friday, December 17, 2021</a:t>
             </a:fld>
             <a:endParaRPr lang="en-US"/>
           </a:p>
@@ -18055,7 +18055,7 @@
           <a:p>
             <a:fld id="{FE809929-0719-4517-94D6-FDF7F99E70F6}" type="datetime2">
               <a:rPr lang="en-US" smtClean="0"/>
-              <a:t>Wednesday, December 15, 2021</a:t>
+              <a:t>Friday, December 17, 2021</a:t>
             </a:fld>
             <a:endParaRPr lang="en-US"/>
           </a:p>
@@ -19170,7 +19170,7 @@
           <a:p>
             <a:fld id="{20E95673-5512-4AAA-9AEB-E00C61EC65D5}" type="datetime2">
               <a:rPr lang="en-US" smtClean="0"/>
-              <a:t>Wednesday, December 15, 2021</a:t>
+              <a:t>Friday, December 17, 2021</a:t>
             </a:fld>
             <a:endParaRPr lang="en-US"/>
           </a:p>
@@ -19715,7 +19715,7 @@
           <a:p>
             <a:fld id="{C13138FA-2E87-4873-8BBA-13E447C9A99A}" type="datetime2">
               <a:rPr lang="en-US" smtClean="0"/>
-              <a:t>Wednesday, December 15, 2021</a:t>
+              <a:t>Friday, December 17, 2021</a:t>
             </a:fld>
             <a:endParaRPr lang="en-US"/>
           </a:p>
@@ -19875,7 +19875,7 @@
           <a:p>
             <a:fld id="{D75BB40A-97BD-4BFB-B639-0BFF95FDE8B7}" type="datetime2">
               <a:rPr lang="en-US" smtClean="0"/>
-              <a:t>Wednesday, December 15, 2021</a:t>
+              <a:t>Friday, December 17, 2021</a:t>
             </a:fld>
             <a:endParaRPr lang="en-US"/>
           </a:p>
@@ -20910,7 +20910,7 @@
           <a:p>
             <a:fld id="{9EE9E0E3-ECF6-4CFE-8698-AEFEBCECC3C0}" type="datetime2">
               <a:rPr lang="en-US" smtClean="0"/>
-              <a:t>Wednesday, December 15, 2021</a:t>
+              <a:t>Friday, December 17, 2021</a:t>
             </a:fld>
             <a:endParaRPr lang="en-US"/>
           </a:p>
@@ -21554,7 +21554,7 @@
           <a:p>
             <a:fld id="{251462FC-960E-4740-921F-B36862979F21}" type="datetime2">
               <a:rPr lang="en-US" smtClean="0"/>
-              <a:t>Wednesday, December 15, 2021</a:t>
+              <a:t>Friday, December 17, 2021</a:t>
             </a:fld>
             <a:endParaRPr lang="en-US"/>
           </a:p>
@@ -22316,7 +22316,7 @@
           <a:p>
             <a:fld id="{E50BC9E2-CB44-4C05-9BB5-496C18A241E0}" type="datetime2">
               <a:rPr lang="en-US" smtClean="0"/>
-              <a:t>Wednesday, December 15, 2021</a:t>
+              <a:t>Friday, December 17, 2021</a:t>
             </a:fld>
             <a:endParaRPr lang="en-US"/>
           </a:p>
@@ -22567,7 +22567,7 @@
           <a:p>
             <a:fld id="{246CB39B-5F4C-4A7E-9BE3-AAFD45576D16}" type="datetime2">
               <a:rPr lang="en-US" smtClean="0"/>
-              <a:t>Wednesday, December 15, 2021</a:t>
+              <a:t>Friday, December 17, 2021</a:t>
             </a:fld>
             <a:endParaRPr lang="en-US"/>
           </a:p>
@@ -25077,59 +25077,8 @@
         </p:blipFill>
         <p:spPr>
           <a:xfrm>
-            <a:off x="568831" y="905329"/>
+            <a:off x="670118" y="2399166"/>
             <a:ext cx="5083992" cy="2059668"/>
-          </a:xfrm>
-          <a:custGeom>
-            <a:avLst/>
-            <a:gdLst/>
-            <a:ahLst/>
-            <a:cxnLst/>
-            <a:rect l="l" t="t" r="r" b="b"/>
-            <a:pathLst>
-              <a:path w="5083992" h="2773362">
-                <a:moveTo>
-                  <a:pt x="0" y="0"/>
-                </a:moveTo>
-                <a:lnTo>
-                  <a:pt x="5083992" y="0"/>
-                </a:lnTo>
-                <a:lnTo>
-                  <a:pt x="5083992" y="2773362"/>
-                </a:lnTo>
-                <a:lnTo>
-                  <a:pt x="0" y="2773362"/>
-                </a:lnTo>
-                <a:close/>
-              </a:path>
-            </a:pathLst>
-          </a:custGeom>
-        </p:spPr>
-      </p:pic>
-      <p:pic>
-        <p:nvPicPr>
-          <p:cNvPr id="4" name="Εικόνα 4" descr="Εικόνα που περιέχει κείμενο, ρολόι, μετρητής&#10;&#10;Περιγραφή που δημιουργήθηκε αυτόματα">
-            <a:extLst>
-              <a:ext uri="{FF2B5EF4-FFF2-40B4-BE49-F238E27FC236}">
-                <a16:creationId xmlns:a16="http://schemas.microsoft.com/office/drawing/2014/main" id="{0183BECF-D073-4BAC-A6B3-A2A7B5B89244}"/>
-              </a:ext>
-            </a:extLst>
-          </p:cNvPr>
-          <p:cNvPicPr>
-            <a:picLocks noChangeAspect="1"/>
-          </p:cNvPicPr>
-          <p:nvPr/>
-        </p:nvPicPr>
-        <p:blipFill>
-          <a:blip r:embed="rId3"/>
-          <a:stretch>
-            <a:fillRect/>
-          </a:stretch>
-        </p:blipFill>
-        <p:spPr>
-          <a:xfrm>
-            <a:off x="568831" y="3803225"/>
-            <a:ext cx="5083992" cy="2240811"/>
           </a:xfrm>
           <a:custGeom>
             <a:avLst/>
@@ -32198,6 +32147,1155 @@
           <a:chExt cx="0" cy="0"/>
         </a:xfrm>
       </p:grpSpPr>
+      <p:grpSp>
+        <p:nvGrpSpPr>
+          <p:cNvPr id="30" name="Group 14">
+            <a:extLst>
+              <a:ext uri="{FF2B5EF4-FFF2-40B4-BE49-F238E27FC236}">
+                <a16:creationId xmlns:a16="http://schemas.microsoft.com/office/drawing/2014/main" id="{3BDBC526-6DCD-4FF6-8395-D8C22E46E527}"/>
+              </a:ext>
+              <a:ext uri="{C183D7F6-B498-43B3-948B-1728B52AA6E4}">
+                <adec:decorative xmlns:adec="http://schemas.microsoft.com/office/drawing/2017/decorative" val="1"/>
+              </a:ext>
+            </a:extLst>
+          </p:cNvPr>
+          <p:cNvGrpSpPr>
+            <a:grpSpLocks noGrp="1" noUngrp="1" noRot="1" noChangeAspect="1" noMove="1" noResize="1"/>
+          </p:cNvGrpSpPr>
+          <p:nvPr>
+            <p:extLst>
+              <p:ext uri="{386F3935-93C4-4BCD-93E2-E3B085C9AB24}">
+                <p16:designElem xmlns:p16="http://schemas.microsoft.com/office/powerpoint/2015/main" val="1"/>
+              </p:ext>
+            </p:extLst>
+          </p:nvPr>
+        </p:nvGrpSpPr>
+        <p:grpSpPr>
+          <a:xfrm>
+            <a:off x="613998" y="5334748"/>
+            <a:ext cx="678135" cy="990000"/>
+            <a:chOff x="10490969" y="1448827"/>
+            <a:chExt cx="678135" cy="990000"/>
+          </a:xfrm>
+        </p:grpSpPr>
+        <p:sp>
+          <p:nvSpPr>
+            <p:cNvPr id="16" name="Freeform: Shape 15">
+              <a:extLst>
+                <a:ext uri="{FF2B5EF4-FFF2-40B4-BE49-F238E27FC236}">
+                  <a16:creationId xmlns:a16="http://schemas.microsoft.com/office/drawing/2014/main" id="{02ECB475-568C-47AC-B16D-2E202DEB2DE0}"/>
+                </a:ext>
+                <a:ext uri="{C183D7F6-B498-43B3-948B-1728B52AA6E4}">
+                  <adec:decorative xmlns:adec="http://schemas.microsoft.com/office/drawing/2017/decorative" val="1"/>
+                </a:ext>
+              </a:extLst>
+            </p:cNvPr>
+            <p:cNvSpPr>
+              <a:spLocks noChangeAspect="1"/>
+            </p:cNvSpPr>
+            <p:nvPr>
+              <p:extLst>
+                <p:ext uri="{386F3935-93C4-4BCD-93E2-E3B085C9AB24}">
+                  <p16:designElem xmlns:p16="http://schemas.microsoft.com/office/powerpoint/2015/main" val="1"/>
+                </p:ext>
+              </p:extLst>
+            </p:nvPr>
+          </p:nvSpPr>
+          <p:spPr>
+            <a:xfrm rot="2700000" flipH="1" flipV="1">
+              <a:off x="10268976" y="1743588"/>
+              <a:ext cx="926985" cy="463493"/>
+            </a:xfrm>
+            <a:custGeom>
+              <a:avLst/>
+              <a:gdLst>
+                <a:gd name="connsiteX0" fmla="*/ 1329373 w 2658746"/>
+                <a:gd name="connsiteY0" fmla="*/ 0 h 1329373"/>
+                <a:gd name="connsiteX1" fmla="*/ 2658746 w 2658746"/>
+                <a:gd name="connsiteY1" fmla="*/ 1329373 h 1329373"/>
+                <a:gd name="connsiteX2" fmla="*/ 1994059 w 2658746"/>
+                <a:gd name="connsiteY2" fmla="*/ 1329373 h 1329373"/>
+                <a:gd name="connsiteX3" fmla="*/ 1329373 w 2658746"/>
+                <a:gd name="connsiteY3" fmla="*/ 664687 h 1329373"/>
+                <a:gd name="connsiteX4" fmla="*/ 664687 w 2658746"/>
+                <a:gd name="connsiteY4" fmla="*/ 1329373 h 1329373"/>
+                <a:gd name="connsiteX5" fmla="*/ 0 w 2658746"/>
+                <a:gd name="connsiteY5" fmla="*/ 1329373 h 1329373"/>
+                <a:gd name="connsiteX6" fmla="*/ 1329373 w 2658746"/>
+                <a:gd name="connsiteY6" fmla="*/ 0 h 1329373"/>
+              </a:gdLst>
+              <a:ahLst/>
+              <a:cxnLst>
+                <a:cxn ang="0">
+                  <a:pos x="connsiteX0" y="connsiteY0"/>
+                </a:cxn>
+                <a:cxn ang="0">
+                  <a:pos x="connsiteX1" y="connsiteY1"/>
+                </a:cxn>
+                <a:cxn ang="0">
+                  <a:pos x="connsiteX2" y="connsiteY2"/>
+                </a:cxn>
+                <a:cxn ang="0">
+                  <a:pos x="connsiteX3" y="connsiteY3"/>
+                </a:cxn>
+                <a:cxn ang="0">
+                  <a:pos x="connsiteX4" y="connsiteY4"/>
+                </a:cxn>
+                <a:cxn ang="0">
+                  <a:pos x="connsiteX5" y="connsiteY5"/>
+                </a:cxn>
+                <a:cxn ang="0">
+                  <a:pos x="connsiteX6" y="connsiteY6"/>
+                </a:cxn>
+              </a:cxnLst>
+              <a:rect l="l" t="t" r="r" b="b"/>
+              <a:pathLst>
+                <a:path w="2658746" h="1329373">
+                  <a:moveTo>
+                    <a:pt x="1329373" y="0"/>
+                  </a:moveTo>
+                  <a:cubicBezTo>
+                    <a:pt x="2063565" y="0"/>
+                    <a:pt x="2658746" y="595181"/>
+                    <a:pt x="2658746" y="1329373"/>
+                  </a:cubicBezTo>
+                  <a:lnTo>
+                    <a:pt x="1994059" y="1329373"/>
+                  </a:lnTo>
+                  <a:cubicBezTo>
+                    <a:pt x="1994059" y="962277"/>
+                    <a:pt x="1696469" y="664687"/>
+                    <a:pt x="1329373" y="664687"/>
+                  </a:cubicBezTo>
+                  <a:cubicBezTo>
+                    <a:pt x="962277" y="664687"/>
+                    <a:pt x="664687" y="962277"/>
+                    <a:pt x="664687" y="1329373"/>
+                  </a:cubicBezTo>
+                  <a:lnTo>
+                    <a:pt x="0" y="1329373"/>
+                  </a:lnTo>
+                  <a:cubicBezTo>
+                    <a:pt x="0" y="595181"/>
+                    <a:pt x="595181" y="0"/>
+                    <a:pt x="1329373" y="0"/>
+                  </a:cubicBezTo>
+                  <a:close/>
+                </a:path>
+              </a:pathLst>
+            </a:custGeom>
+            <a:solidFill>
+              <a:schemeClr val="bg2"/>
+            </a:solidFill>
+            <a:ln>
+              <a:noFill/>
+            </a:ln>
+            <a:effectLst>
+              <a:innerShdw blurRad="127000" dist="50800" dir="13500000">
+                <a:schemeClr val="accent1">
+                  <a:lumMod val="40000"/>
+                  <a:lumOff val="60000"/>
+                  <a:alpha val="20000"/>
+                </a:schemeClr>
+              </a:innerShdw>
+            </a:effectLst>
+          </p:spPr>
+          <p:style>
+            <a:lnRef idx="2">
+              <a:schemeClr val="accent1">
+                <a:shade val="50000"/>
+              </a:schemeClr>
+            </a:lnRef>
+            <a:fillRef idx="1">
+              <a:schemeClr val="accent1"/>
+            </a:fillRef>
+            <a:effectRef idx="0">
+              <a:schemeClr val="accent1"/>
+            </a:effectRef>
+            <a:fontRef idx="minor">
+              <a:schemeClr val="lt1"/>
+            </a:fontRef>
+          </p:style>
+          <p:txBody>
+            <a:bodyPr rtlCol="0" anchor="ctr"/>
+            <a:lstStyle/>
+            <a:p>
+              <a:pPr algn="ctr"/>
+              <a:endParaRPr lang="en-US">
+                <a:solidFill>
+                  <a:schemeClr val="tx1"/>
+                </a:solidFill>
+              </a:endParaRPr>
+            </a:p>
+          </p:txBody>
+        </p:sp>
+        <p:sp>
+          <p:nvSpPr>
+            <p:cNvPr id="17" name="Oval 16">
+              <a:extLst>
+                <a:ext uri="{FF2B5EF4-FFF2-40B4-BE49-F238E27FC236}">
+                  <a16:creationId xmlns:a16="http://schemas.microsoft.com/office/drawing/2014/main" id="{080D8764-525A-441E-B58F-068E82F09714}"/>
+                </a:ext>
+                <a:ext uri="{C183D7F6-B498-43B3-948B-1728B52AA6E4}">
+                  <adec:decorative xmlns:adec="http://schemas.microsoft.com/office/drawing/2017/decorative" val="1"/>
+                </a:ext>
+              </a:extLst>
+            </p:cNvPr>
+            <p:cNvSpPr/>
+            <p:nvPr>
+              <p:extLst>
+                <p:ext uri="{386F3935-93C4-4BCD-93E2-E3B085C9AB24}">
+                  <p16:designElem xmlns:p16="http://schemas.microsoft.com/office/powerpoint/2015/main" val="1"/>
+                </p:ext>
+              </p:extLst>
+            </p:nvPr>
+          </p:nvSpPr>
+          <p:spPr>
+            <a:xfrm rot="8100000" flipH="1" flipV="1">
+              <a:off x="11115555" y="1939340"/>
+              <a:ext cx="53549" cy="233295"/>
+            </a:xfrm>
+            <a:prstGeom prst="ellipse">
+              <a:avLst/>
+            </a:prstGeom>
+            <a:solidFill>
+              <a:schemeClr val="bg2">
+                <a:lumMod val="90000"/>
+                <a:lumOff val="10000"/>
+              </a:schemeClr>
+            </a:solidFill>
+            <a:ln>
+              <a:noFill/>
+            </a:ln>
+            <a:effectLst>
+              <a:innerShdw blurRad="63500" dist="2540000">
+                <a:schemeClr val="accent1">
+                  <a:lumMod val="60000"/>
+                  <a:lumOff val="40000"/>
+                  <a:alpha val="0"/>
+                </a:schemeClr>
+              </a:innerShdw>
+            </a:effectLst>
+          </p:spPr>
+          <p:style>
+            <a:lnRef idx="2">
+              <a:schemeClr val="accent1">
+                <a:shade val="50000"/>
+              </a:schemeClr>
+            </a:lnRef>
+            <a:fillRef idx="1">
+              <a:schemeClr val="accent1"/>
+            </a:fillRef>
+            <a:effectRef idx="0">
+              <a:schemeClr val="accent1"/>
+            </a:effectRef>
+            <a:fontRef idx="minor">
+              <a:schemeClr val="lt1"/>
+            </a:fontRef>
+          </p:style>
+          <p:txBody>
+            <a:bodyPr rot="0" spcFirstLastPara="0" vertOverflow="overflow" horzOverflow="overflow" vert="horz" wrap="square" lIns="91440" tIns="45720" rIns="91440" bIns="45720" numCol="1" spcCol="0" rtlCol="0" fromWordArt="0" anchor="ctr" anchorCtr="0" forceAA="0" compatLnSpc="1">
+              <a:prstTxWarp prst="textNoShape">
+                <a:avLst/>
+              </a:prstTxWarp>
+              <a:noAutofit/>
+            </a:bodyPr>
+            <a:lstStyle/>
+            <a:p>
+              <a:pPr algn="ctr"/>
+              <a:endParaRPr lang="en-US"/>
+            </a:p>
+          </p:txBody>
+        </p:sp>
+        <p:sp>
+          <p:nvSpPr>
+            <p:cNvPr id="18" name="Oval 17">
+              <a:extLst>
+                <a:ext uri="{FF2B5EF4-FFF2-40B4-BE49-F238E27FC236}">
+                  <a16:creationId xmlns:a16="http://schemas.microsoft.com/office/drawing/2014/main" id="{11196109-6F2B-4738-B2FC-2CCC753AABD4}"/>
+                </a:ext>
+                <a:ext uri="{C183D7F6-B498-43B3-948B-1728B52AA6E4}">
+                  <adec:decorative xmlns:adec="http://schemas.microsoft.com/office/drawing/2017/decorative" val="1"/>
+                </a:ext>
+              </a:extLst>
+            </p:cNvPr>
+            <p:cNvSpPr/>
+            <p:nvPr>
+              <p:extLst>
+                <p:ext uri="{386F3935-93C4-4BCD-93E2-E3B085C9AB24}">
+                  <p16:designElem xmlns:p16="http://schemas.microsoft.com/office/powerpoint/2015/main" val="1"/>
+                </p:ext>
+              </p:extLst>
+            </p:nvPr>
+          </p:nvSpPr>
+          <p:spPr>
+            <a:xfrm rot="8100000" flipH="1" flipV="1">
+              <a:off x="10625042" y="1448827"/>
+              <a:ext cx="53549" cy="233295"/>
+            </a:xfrm>
+            <a:prstGeom prst="ellipse">
+              <a:avLst/>
+            </a:prstGeom>
+            <a:solidFill>
+              <a:schemeClr val="bg2">
+                <a:lumMod val="90000"/>
+                <a:lumOff val="10000"/>
+              </a:schemeClr>
+            </a:solidFill>
+            <a:ln>
+              <a:noFill/>
+            </a:ln>
+            <a:effectLst>
+              <a:innerShdw blurRad="63500" dist="2540000">
+                <a:schemeClr val="accent1">
+                  <a:lumMod val="60000"/>
+                  <a:lumOff val="40000"/>
+                  <a:alpha val="0"/>
+                </a:schemeClr>
+              </a:innerShdw>
+            </a:effectLst>
+          </p:spPr>
+          <p:style>
+            <a:lnRef idx="2">
+              <a:schemeClr val="accent1">
+                <a:shade val="50000"/>
+              </a:schemeClr>
+            </a:lnRef>
+            <a:fillRef idx="1">
+              <a:schemeClr val="accent1"/>
+            </a:fillRef>
+            <a:effectRef idx="0">
+              <a:schemeClr val="accent1"/>
+            </a:effectRef>
+            <a:fontRef idx="minor">
+              <a:schemeClr val="lt1"/>
+            </a:fontRef>
+          </p:style>
+          <p:txBody>
+            <a:bodyPr rot="0" spcFirstLastPara="0" vertOverflow="overflow" horzOverflow="overflow" vert="horz" wrap="square" lIns="91440" tIns="45720" rIns="91440" bIns="45720" numCol="1" spcCol="0" rtlCol="0" fromWordArt="0" anchor="ctr" anchorCtr="0" forceAA="0" compatLnSpc="1">
+              <a:prstTxWarp prst="textNoShape">
+                <a:avLst/>
+              </a:prstTxWarp>
+              <a:noAutofit/>
+            </a:bodyPr>
+            <a:lstStyle/>
+            <a:p>
+              <a:pPr algn="ctr"/>
+              <a:endParaRPr lang="en-US"/>
+            </a:p>
+          </p:txBody>
+        </p:sp>
+        <p:sp>
+          <p:nvSpPr>
+            <p:cNvPr id="19" name="Freeform: Shape 18">
+              <a:extLst>
+                <a:ext uri="{FF2B5EF4-FFF2-40B4-BE49-F238E27FC236}">
+                  <a16:creationId xmlns:a16="http://schemas.microsoft.com/office/drawing/2014/main" id="{F7E468C2-69B8-470B-85E3-801A3CB1D7E2}"/>
+                </a:ext>
+                <a:ext uri="{C183D7F6-B498-43B3-948B-1728B52AA6E4}">
+                  <adec:decorative xmlns:adec="http://schemas.microsoft.com/office/drawing/2017/decorative" val="1"/>
+                </a:ext>
+              </a:extLst>
+            </p:cNvPr>
+            <p:cNvSpPr>
+              <a:spLocks noChangeAspect="1"/>
+            </p:cNvSpPr>
+            <p:nvPr>
+              <p:extLst>
+                <p:ext uri="{386F3935-93C4-4BCD-93E2-E3B085C9AB24}">
+                  <p16:designElem xmlns:p16="http://schemas.microsoft.com/office/powerpoint/2015/main" val="1"/>
+                </p:ext>
+              </p:extLst>
+            </p:nvPr>
+          </p:nvSpPr>
+          <p:spPr>
+            <a:xfrm rot="2700000" flipH="1" flipV="1">
+              <a:off x="10292519" y="1686748"/>
+              <a:ext cx="926985" cy="530086"/>
+            </a:xfrm>
+            <a:custGeom>
+              <a:avLst/>
+              <a:gdLst>
+                <a:gd name="connsiteX0" fmla="*/ 1329373 w 2658746"/>
+                <a:gd name="connsiteY0" fmla="*/ 0 h 1329373"/>
+                <a:gd name="connsiteX1" fmla="*/ 2658746 w 2658746"/>
+                <a:gd name="connsiteY1" fmla="*/ 1329373 h 1329373"/>
+                <a:gd name="connsiteX2" fmla="*/ 1994059 w 2658746"/>
+                <a:gd name="connsiteY2" fmla="*/ 1329373 h 1329373"/>
+                <a:gd name="connsiteX3" fmla="*/ 1329373 w 2658746"/>
+                <a:gd name="connsiteY3" fmla="*/ 664687 h 1329373"/>
+                <a:gd name="connsiteX4" fmla="*/ 664687 w 2658746"/>
+                <a:gd name="connsiteY4" fmla="*/ 1329373 h 1329373"/>
+                <a:gd name="connsiteX5" fmla="*/ 0 w 2658746"/>
+                <a:gd name="connsiteY5" fmla="*/ 1329373 h 1329373"/>
+                <a:gd name="connsiteX6" fmla="*/ 1329373 w 2658746"/>
+                <a:gd name="connsiteY6" fmla="*/ 0 h 1329373"/>
+              </a:gdLst>
+              <a:ahLst/>
+              <a:cxnLst>
+                <a:cxn ang="0">
+                  <a:pos x="connsiteX0" y="connsiteY0"/>
+                </a:cxn>
+                <a:cxn ang="0">
+                  <a:pos x="connsiteX1" y="connsiteY1"/>
+                </a:cxn>
+                <a:cxn ang="0">
+                  <a:pos x="connsiteX2" y="connsiteY2"/>
+                </a:cxn>
+                <a:cxn ang="0">
+                  <a:pos x="connsiteX3" y="connsiteY3"/>
+                </a:cxn>
+                <a:cxn ang="0">
+                  <a:pos x="connsiteX4" y="connsiteY4"/>
+                </a:cxn>
+                <a:cxn ang="0">
+                  <a:pos x="connsiteX5" y="connsiteY5"/>
+                </a:cxn>
+                <a:cxn ang="0">
+                  <a:pos x="connsiteX6" y="connsiteY6"/>
+                </a:cxn>
+              </a:cxnLst>
+              <a:rect l="l" t="t" r="r" b="b"/>
+              <a:pathLst>
+                <a:path w="2658746" h="1329373">
+                  <a:moveTo>
+                    <a:pt x="1329373" y="0"/>
+                  </a:moveTo>
+                  <a:cubicBezTo>
+                    <a:pt x="2063565" y="0"/>
+                    <a:pt x="2658746" y="595181"/>
+                    <a:pt x="2658746" y="1329373"/>
+                  </a:cubicBezTo>
+                  <a:lnTo>
+                    <a:pt x="1994059" y="1329373"/>
+                  </a:lnTo>
+                  <a:cubicBezTo>
+                    <a:pt x="1994059" y="962277"/>
+                    <a:pt x="1696469" y="664687"/>
+                    <a:pt x="1329373" y="664687"/>
+                  </a:cubicBezTo>
+                  <a:cubicBezTo>
+                    <a:pt x="962277" y="664687"/>
+                    <a:pt x="664687" y="962277"/>
+                    <a:pt x="664687" y="1329373"/>
+                  </a:cubicBezTo>
+                  <a:lnTo>
+                    <a:pt x="0" y="1329373"/>
+                  </a:lnTo>
+                  <a:cubicBezTo>
+                    <a:pt x="0" y="595181"/>
+                    <a:pt x="595181" y="0"/>
+                    <a:pt x="1329373" y="0"/>
+                  </a:cubicBezTo>
+                  <a:close/>
+                </a:path>
+              </a:pathLst>
+            </a:custGeom>
+            <a:solidFill>
+              <a:schemeClr val="bg2">
+                <a:lumMod val="50000"/>
+                <a:lumOff val="50000"/>
+                <a:alpha val="20000"/>
+              </a:schemeClr>
+            </a:solidFill>
+            <a:ln>
+              <a:noFill/>
+            </a:ln>
+            <a:effectLst>
+              <a:softEdge rad="101600"/>
+            </a:effectLst>
+          </p:spPr>
+          <p:style>
+            <a:lnRef idx="2">
+              <a:schemeClr val="accent1">
+                <a:shade val="50000"/>
+              </a:schemeClr>
+            </a:lnRef>
+            <a:fillRef idx="1">
+              <a:schemeClr val="accent1"/>
+            </a:fillRef>
+            <a:effectRef idx="0">
+              <a:schemeClr val="accent1"/>
+            </a:effectRef>
+            <a:fontRef idx="minor">
+              <a:schemeClr val="lt1"/>
+            </a:fontRef>
+          </p:style>
+          <p:txBody>
+            <a:bodyPr rtlCol="0" anchor="ctr"/>
+            <a:lstStyle/>
+            <a:p>
+              <a:pPr algn="ctr"/>
+              <a:endParaRPr lang="en-US">
+                <a:solidFill>
+                  <a:schemeClr val="tx1"/>
+                </a:solidFill>
+              </a:endParaRPr>
+            </a:p>
+          </p:txBody>
+        </p:sp>
+      </p:grpSp>
+      <p:sp useBgFill="1">
+        <p:nvSpPr>
+          <p:cNvPr id="31" name="Rectangle 20">
+            <a:extLst>
+              <a:ext uri="{FF2B5EF4-FFF2-40B4-BE49-F238E27FC236}">
+                <a16:creationId xmlns:a16="http://schemas.microsoft.com/office/drawing/2014/main" id="{A5931BE0-4B93-4D6C-878E-ACC59D6B4587}"/>
+              </a:ext>
+              <a:ext uri="{C183D7F6-B498-43B3-948B-1728B52AA6E4}">
+                <adec:decorative xmlns:adec="http://schemas.microsoft.com/office/drawing/2017/decorative" val="1"/>
+              </a:ext>
+            </a:extLst>
+          </p:cNvPr>
+          <p:cNvSpPr>
+            <a:spLocks noGrp="1" noRot="1" noChangeAspect="1" noMove="1" noResize="1" noEditPoints="1" noAdjustHandles="1" noChangeArrowheads="1" noChangeShapeType="1" noTextEdit="1"/>
+          </p:cNvSpPr>
+          <p:nvPr>
+            <p:extLst>
+              <p:ext uri="{386F3935-93C4-4BCD-93E2-E3B085C9AB24}">
+                <p16:designElem xmlns:p16="http://schemas.microsoft.com/office/powerpoint/2015/main" val="1"/>
+              </p:ext>
+            </p:extLst>
+          </p:nvPr>
+        </p:nvSpPr>
+        <p:spPr>
+          <a:xfrm>
+            <a:off x="0" y="0"/>
+            <a:ext cx="12192000" cy="6858000"/>
+          </a:xfrm>
+          <a:prstGeom prst="rect">
+            <a:avLst/>
+          </a:prstGeom>
+          <a:ln w="12700" cap="flat" cmpd="sng" algn="ctr">
+            <a:noFill/>
+            <a:prstDash val="solid"/>
+            <a:miter lim="800000"/>
+          </a:ln>
+          <a:effectLst/>
+          <a:extLst>
+            <a:ext uri="{91240B29-F687-4F45-9708-019B960494DF}">
+              <a14:hiddenLine xmlns:a14="http://schemas.microsoft.com/office/drawing/2010/main" w="12700" cap="flat" cmpd="sng" algn="ctr">
+                <a:solidFill>
+                  <a:schemeClr val="accent1">
+                    <a:shade val="50000"/>
+                  </a:schemeClr>
+                </a:solidFill>
+                <a:prstDash val="solid"/>
+                <a:miter lim="800000"/>
+              </a14:hiddenLine>
+            </a:ext>
+          </a:extLst>
+        </p:spPr>
+        <p:style>
+          <a:lnRef idx="2">
+            <a:schemeClr val="accent1">
+              <a:shade val="50000"/>
+            </a:schemeClr>
+          </a:lnRef>
+          <a:fillRef idx="1">
+            <a:schemeClr val="accent1"/>
+          </a:fillRef>
+          <a:effectRef idx="0">
+            <a:schemeClr val="accent1"/>
+          </a:effectRef>
+          <a:fontRef idx="minor">
+            <a:schemeClr val="lt1"/>
+          </a:fontRef>
+        </p:style>
+        <p:txBody>
+          <a:bodyPr rtlCol="0" anchor="ctr"/>
+          <a:lstStyle/>
+          <a:p>
+            <a:pPr algn="ctr"/>
+            <a:endParaRPr lang="en-US"/>
+          </a:p>
+        </p:txBody>
+      </p:sp>
+      <p:sp>
+        <p:nvSpPr>
+          <p:cNvPr id="32" name="Oval 22">
+            <a:extLst>
+              <a:ext uri="{FF2B5EF4-FFF2-40B4-BE49-F238E27FC236}">
+                <a16:creationId xmlns:a16="http://schemas.microsoft.com/office/drawing/2014/main" id="{C6F6146E-6788-4AF7-A775-99E5CB71EB03}"/>
+              </a:ext>
+              <a:ext uri="{C183D7F6-B498-43B3-948B-1728B52AA6E4}">
+                <adec:decorative xmlns:adec="http://schemas.microsoft.com/office/drawing/2017/decorative" val="1"/>
+              </a:ext>
+            </a:extLst>
+          </p:cNvPr>
+          <p:cNvSpPr>
+            <a:spLocks noGrp="1" noRot="1" noChangeAspect="1" noMove="1" noResize="1" noEditPoints="1" noAdjustHandles="1" noChangeArrowheads="1" noChangeShapeType="1" noTextEdit="1"/>
+          </p:cNvSpPr>
+          <p:nvPr>
+            <p:extLst>
+              <p:ext uri="{386F3935-93C4-4BCD-93E2-E3B085C9AB24}">
+                <p16:designElem xmlns:p16="http://schemas.microsoft.com/office/powerpoint/2015/main" val="1"/>
+              </p:ext>
+            </p:extLst>
+          </p:nvPr>
+        </p:nvSpPr>
+        <p:spPr>
+          <a:xfrm>
+            <a:off x="465304" y="549275"/>
+            <a:ext cx="360000" cy="360000"/>
+          </a:xfrm>
+          <a:prstGeom prst="ellipse">
+            <a:avLst/>
+          </a:prstGeom>
+          <a:gradFill flip="none" rotWithShape="1">
+            <a:gsLst>
+              <a:gs pos="100000">
+                <a:schemeClr val="bg2">
+                  <a:lumMod val="50000"/>
+                  <a:lumOff val="50000"/>
+                </a:schemeClr>
+              </a:gs>
+              <a:gs pos="60000">
+                <a:schemeClr val="bg2"/>
+              </a:gs>
+            </a:gsLst>
+            <a:path path="circle">
+              <a:fillToRect l="100000" b="100000"/>
+            </a:path>
+            <a:tileRect t="-100000" r="-100000"/>
+          </a:gradFill>
+          <a:ln>
+            <a:noFill/>
+          </a:ln>
+          <a:effectLst>
+            <a:innerShdw blurRad="127000" dist="63500" dir="2700000">
+              <a:schemeClr val="accent1">
+                <a:lumMod val="60000"/>
+                <a:lumOff val="40000"/>
+                <a:alpha val="20000"/>
+              </a:schemeClr>
+            </a:innerShdw>
+            <a:softEdge rad="0"/>
+          </a:effectLst>
+        </p:spPr>
+        <p:style>
+          <a:lnRef idx="2">
+            <a:schemeClr val="accent1">
+              <a:shade val="50000"/>
+            </a:schemeClr>
+          </a:lnRef>
+          <a:fillRef idx="1">
+            <a:schemeClr val="accent1"/>
+          </a:fillRef>
+          <a:effectRef idx="0">
+            <a:schemeClr val="accent1"/>
+          </a:effectRef>
+          <a:fontRef idx="minor">
+            <a:schemeClr val="lt1"/>
+          </a:fontRef>
+        </p:style>
+        <p:txBody>
+          <a:bodyPr rot="0" spcFirstLastPara="0" vertOverflow="overflow" horzOverflow="overflow" vert="horz" wrap="square" lIns="91440" tIns="45720" rIns="91440" bIns="45720" numCol="1" spcCol="0" rtlCol="0" fromWordArt="0" anchor="ctr" anchorCtr="0" forceAA="0" compatLnSpc="1">
+            <a:prstTxWarp prst="textNoShape">
+              <a:avLst/>
+            </a:prstTxWarp>
+            <a:noAutofit/>
+          </a:bodyPr>
+          <a:lstStyle/>
+          <a:p>
+            <a:pPr algn="ctr"/>
+            <a:endParaRPr lang="en-US"/>
+          </a:p>
+        </p:txBody>
+      </p:sp>
+      <p:sp>
+        <p:nvSpPr>
+          <p:cNvPr id="2" name="Title 1">
+            <a:extLst>
+              <a:ext uri="{FF2B5EF4-FFF2-40B4-BE49-F238E27FC236}">
+                <a16:creationId xmlns:a16="http://schemas.microsoft.com/office/drawing/2014/main" id="{F4A7160A-F71D-6F44-8DCD-60596E2C5932}"/>
+              </a:ext>
+            </a:extLst>
+          </p:cNvPr>
+          <p:cNvSpPr>
+            <a:spLocks noGrp="1"/>
+          </p:cNvSpPr>
+          <p:nvPr>
+            <p:ph type="title" idx="4294967295"/>
+          </p:nvPr>
+        </p:nvSpPr>
+        <p:spPr>
+          <a:xfrm>
+            <a:off x="550864" y="549275"/>
+            <a:ext cx="5437186" cy="1651022"/>
+          </a:xfrm>
+        </p:spPr>
+        <p:txBody>
+          <a:bodyPr vert="horz" wrap="square" lIns="0" tIns="0" rIns="0" bIns="0" rtlCol="0" anchor="b" anchorCtr="0">
+            <a:normAutofit/>
+          </a:bodyPr>
+          <a:lstStyle/>
+          <a:p>
+            <a:r>
+              <a:rPr lang="en-US" sz="6400"/>
+              <a:t>Introduction</a:t>
+            </a:r>
+          </a:p>
+        </p:txBody>
+      </p:sp>
+      <p:sp>
+        <p:nvSpPr>
+          <p:cNvPr id="33" name="Freeform: Shape 24">
+            <a:extLst>
+              <a:ext uri="{FF2B5EF4-FFF2-40B4-BE49-F238E27FC236}">
+                <a16:creationId xmlns:a16="http://schemas.microsoft.com/office/drawing/2014/main" id="{EFB3398F-FC83-4BB4-A9BB-9224C3369675}"/>
+              </a:ext>
+              <a:ext uri="{C183D7F6-B498-43B3-948B-1728B52AA6E4}">
+                <adec:decorative xmlns:adec="http://schemas.microsoft.com/office/drawing/2017/decorative" val="1"/>
+              </a:ext>
+            </a:extLst>
+          </p:cNvPr>
+          <p:cNvSpPr>
+            <a:spLocks noGrp="1" noRot="1" noChangeAspect="1" noMove="1" noResize="1" noEditPoints="1" noAdjustHandles="1" noChangeArrowheads="1" noChangeShapeType="1" noTextEdit="1"/>
+          </p:cNvSpPr>
+          <p:nvPr>
+            <p:extLst>
+              <p:ext uri="{386F3935-93C4-4BCD-93E2-E3B085C9AB24}">
+                <p16:designElem xmlns:p16="http://schemas.microsoft.com/office/powerpoint/2015/main" val="1"/>
+              </p:ext>
+            </p:extLst>
+          </p:nvPr>
+        </p:nvSpPr>
+        <p:spPr>
+          <a:xfrm rot="18900000" flipV="1">
+            <a:off x="2279869" y="6105227"/>
+            <a:ext cx="871729" cy="824667"/>
+          </a:xfrm>
+          <a:custGeom>
+            <a:avLst/>
+            <a:gdLst>
+              <a:gd name="connsiteX0" fmla="*/ 871729 w 871729"/>
+              <a:gd name="connsiteY0" fmla="*/ 824667 h 824667"/>
+              <a:gd name="connsiteX1" fmla="*/ 386600 w 871729"/>
+              <a:gd name="connsiteY1" fmla="*/ 9564 h 824667"/>
+              <a:gd name="connsiteX2" fmla="*/ 366745 w 871729"/>
+              <a:gd name="connsiteY2" fmla="*/ 0 h 824667"/>
+              <a:gd name="connsiteX3" fmla="*/ 0 w 871729"/>
+              <a:gd name="connsiteY3" fmla="*/ 366745 h 824667"/>
+              <a:gd name="connsiteX4" fmla="*/ 38154 w 871729"/>
+              <a:gd name="connsiteY4" fmla="*/ 370591 h 824667"/>
+              <a:gd name="connsiteX5" fmla="*/ 408236 w 871729"/>
+              <a:gd name="connsiteY5" fmla="*/ 824667 h 824667"/>
+            </a:gdLst>
+            <a:ahLst/>
+            <a:cxnLst>
+              <a:cxn ang="0">
+                <a:pos x="connsiteX0" y="connsiteY0"/>
+              </a:cxn>
+              <a:cxn ang="0">
+                <a:pos x="connsiteX1" y="connsiteY1"/>
+              </a:cxn>
+              <a:cxn ang="0">
+                <a:pos x="connsiteX2" y="connsiteY2"/>
+              </a:cxn>
+              <a:cxn ang="0">
+                <a:pos x="connsiteX3" y="connsiteY3"/>
+              </a:cxn>
+              <a:cxn ang="0">
+                <a:pos x="connsiteX4" y="connsiteY4"/>
+              </a:cxn>
+              <a:cxn ang="0">
+                <a:pos x="connsiteX5" y="connsiteY5"/>
+              </a:cxn>
+            </a:cxnLst>
+            <a:rect l="l" t="t" r="r" b="b"/>
+            <a:pathLst>
+              <a:path w="871729" h="824667">
+                <a:moveTo>
+                  <a:pt x="871729" y="824667"/>
+                </a:moveTo>
+                <a:cubicBezTo>
+                  <a:pt x="871729" y="472695"/>
+                  <a:pt x="675564" y="166539"/>
+                  <a:pt x="386600" y="9564"/>
+                </a:cubicBezTo>
+                <a:lnTo>
+                  <a:pt x="366745" y="0"/>
+                </a:lnTo>
+                <a:lnTo>
+                  <a:pt x="0" y="366745"/>
+                </a:lnTo>
+                <a:lnTo>
+                  <a:pt x="38154" y="370591"/>
+                </a:lnTo>
+                <a:cubicBezTo>
+                  <a:pt x="249360" y="413810"/>
+                  <a:pt x="408236" y="600685"/>
+                  <a:pt x="408236" y="824667"/>
+                </a:cubicBezTo>
+                <a:close/>
+              </a:path>
+            </a:pathLst>
+          </a:custGeom>
+          <a:solidFill>
+            <a:schemeClr val="bg2"/>
+          </a:solidFill>
+          <a:ln>
+            <a:noFill/>
+          </a:ln>
+          <a:effectLst>
+            <a:innerShdw blurRad="254000" dist="50800" dir="16200000">
+              <a:schemeClr val="accent1">
+                <a:lumMod val="60000"/>
+                <a:lumOff val="40000"/>
+                <a:alpha val="40000"/>
+              </a:schemeClr>
+            </a:innerShdw>
+          </a:effectLst>
+        </p:spPr>
+        <p:style>
+          <a:lnRef idx="2">
+            <a:schemeClr val="accent1">
+              <a:shade val="50000"/>
+            </a:schemeClr>
+          </a:lnRef>
+          <a:fillRef idx="1">
+            <a:schemeClr val="accent1"/>
+          </a:fillRef>
+          <a:effectRef idx="0">
+            <a:schemeClr val="accent1"/>
+          </a:effectRef>
+          <a:fontRef idx="minor">
+            <a:schemeClr val="lt1"/>
+          </a:fontRef>
+        </p:style>
+        <p:txBody>
+          <a:bodyPr wrap="square" rtlCol="0" anchor="ctr">
+            <a:noAutofit/>
+          </a:bodyPr>
+          <a:lstStyle/>
+          <a:p>
+            <a:pPr algn="ctr"/>
+            <a:endParaRPr lang="en-US"/>
+          </a:p>
+        </p:txBody>
+      </p:sp>
+      <p:sp>
+        <p:nvSpPr>
+          <p:cNvPr id="34" name="Oval 26">
+            <a:extLst>
+              <a:ext uri="{FF2B5EF4-FFF2-40B4-BE49-F238E27FC236}">
+                <a16:creationId xmlns:a16="http://schemas.microsoft.com/office/drawing/2014/main" id="{38B9BDAC-6C86-465B-B392-FBF5ECE775EA}"/>
+              </a:ext>
+              <a:ext uri="{C183D7F6-B498-43B3-948B-1728B52AA6E4}">
+                <adec:decorative xmlns:adec="http://schemas.microsoft.com/office/drawing/2017/decorative" val="1"/>
+              </a:ext>
+            </a:extLst>
+          </p:cNvPr>
+          <p:cNvSpPr>
+            <a:spLocks noGrp="1" noRot="1" noChangeAspect="1" noMove="1" noResize="1" noEditPoints="1" noAdjustHandles="1" noChangeArrowheads="1" noChangeShapeType="1" noTextEdit="1"/>
+          </p:cNvSpPr>
+          <p:nvPr>
+            <p:extLst>
+              <p:ext uri="{386F3935-93C4-4BCD-93E2-E3B085C9AB24}">
+                <p16:designElem xmlns:p16="http://schemas.microsoft.com/office/powerpoint/2015/main" val="1"/>
+              </p:ext>
+            </p:extLst>
+          </p:nvPr>
+        </p:nvSpPr>
+        <p:spPr>
+          <a:xfrm rot="13500000" flipV="1">
+            <a:off x="2512389" y="5847995"/>
+            <a:ext cx="107098" cy="466589"/>
+          </a:xfrm>
+          <a:prstGeom prst="ellipse">
+            <a:avLst/>
+          </a:prstGeom>
+          <a:solidFill>
+            <a:schemeClr val="bg2">
+              <a:lumMod val="90000"/>
+              <a:lumOff val="10000"/>
+            </a:schemeClr>
+          </a:solidFill>
+          <a:ln>
+            <a:noFill/>
+          </a:ln>
+          <a:effectLst>
+            <a:innerShdw blurRad="63500" dist="2540000">
+              <a:schemeClr val="accent1">
+                <a:lumMod val="60000"/>
+                <a:lumOff val="40000"/>
+                <a:alpha val="0"/>
+              </a:schemeClr>
+            </a:innerShdw>
+          </a:effectLst>
+        </p:spPr>
+        <p:style>
+          <a:lnRef idx="2">
+            <a:schemeClr val="accent1">
+              <a:shade val="50000"/>
+            </a:schemeClr>
+          </a:lnRef>
+          <a:fillRef idx="1">
+            <a:schemeClr val="accent1"/>
+          </a:fillRef>
+          <a:effectRef idx="0">
+            <a:schemeClr val="accent1"/>
+          </a:effectRef>
+          <a:fontRef idx="minor">
+            <a:schemeClr val="lt1"/>
+          </a:fontRef>
+        </p:style>
+        <p:txBody>
+          <a:bodyPr rot="0" spcFirstLastPara="0" vertOverflow="overflow" horzOverflow="overflow" vert="horz" wrap="square" lIns="91440" tIns="45720" rIns="91440" bIns="45720" numCol="1" spcCol="0" rtlCol="0" fromWordArt="0" anchor="ctr" anchorCtr="0" forceAA="0" compatLnSpc="1">
+            <a:prstTxWarp prst="textNoShape">
+              <a:avLst/>
+            </a:prstTxWarp>
+            <a:noAutofit/>
+          </a:bodyPr>
+          <a:lstStyle/>
+          <a:p>
+            <a:pPr algn="ctr"/>
+            <a:endParaRPr lang="en-US"/>
+          </a:p>
+        </p:txBody>
+      </p:sp>
+      <p:sp>
+        <p:nvSpPr>
+          <p:cNvPr id="3" name="Content Placeholder 2">
+            <a:extLst>
+              <a:ext uri="{FF2B5EF4-FFF2-40B4-BE49-F238E27FC236}">
+                <a16:creationId xmlns:a16="http://schemas.microsoft.com/office/drawing/2014/main" id="{CF7E1D46-BD0A-D74C-B9C4-C82B8D7E711F}"/>
+              </a:ext>
+            </a:extLst>
+          </p:cNvPr>
+          <p:cNvSpPr>
+            <a:spLocks noGrp="1"/>
+          </p:cNvSpPr>
+          <p:nvPr>
+            <p:ph idx="4294967295"/>
+          </p:nvPr>
+        </p:nvSpPr>
+        <p:spPr>
+          <a:xfrm>
+            <a:off x="550863" y="2532189"/>
+            <a:ext cx="5437187" cy="2682889"/>
+          </a:xfrm>
+        </p:spPr>
+        <p:txBody>
+          <a:bodyPr vert="horz" wrap="square" lIns="0" tIns="0" rIns="0" bIns="0" rtlCol="0" anchor="t">
+            <a:noAutofit/>
+          </a:bodyPr>
+          <a:lstStyle/>
+          <a:p>
+            <a:r>
+              <a:rPr lang="en-US" sz="1800" b="1"/>
+              <a:t>This project used ROS to demonstrate a simple line following Turtlebot3 in both Gazebo and real environment using Ubuntu 20.04, ROS Noetic and OpenCV 3</a:t>
+            </a:r>
+            <a:endParaRPr lang="en-US" sz="1800" b="1">
+              <a:solidFill>
+                <a:srgbClr val="FFFFFF">
+                  <a:alpha val="60000"/>
+                </a:srgbClr>
+              </a:solidFill>
+              <a:ea typeface="Source Sans Pro"/>
+            </a:endParaRPr>
+          </a:p>
+          <a:p>
+            <a:r>
+              <a:rPr lang="en-US" sz="1800" b="1"/>
+              <a:t>The Turtlebot3 is used as the vehicle to demonstrate the concept which uses simple Image Processing Techniques</a:t>
+            </a:r>
+            <a:endParaRPr lang="en-US" sz="1800" b="1">
+              <a:solidFill>
+                <a:srgbClr val="FFFFFF">
+                  <a:alpha val="60000"/>
+                </a:srgbClr>
+              </a:solidFill>
+              <a:ea typeface="Source Sans Pro"/>
+            </a:endParaRPr>
+          </a:p>
+          <a:p>
+            <a:r>
+              <a:rPr lang="en-US" sz="1800" b="1"/>
+              <a:t>The main decider of the robot’s trajectories is the camera looking parallel at the robot and the target position.</a:t>
+            </a:r>
+            <a:endParaRPr lang="en-US" sz="1800" b="1">
+              <a:solidFill>
+                <a:srgbClr val="FFFFFF">
+                  <a:alpha val="60000"/>
+                </a:srgbClr>
+              </a:solidFill>
+              <a:ea typeface="Source Sans Pro"/>
+            </a:endParaRPr>
+          </a:p>
+        </p:txBody>
+      </p:sp>
+      <p:pic>
+        <p:nvPicPr>
+          <p:cNvPr id="7" name="Picture 6" descr="Icon&#10;&#10;Description automatically generated">
+            <a:extLst>
+              <a:ext uri="{FF2B5EF4-FFF2-40B4-BE49-F238E27FC236}">
+                <a16:creationId xmlns:a16="http://schemas.microsoft.com/office/drawing/2014/main" id="{C42CDD34-CBE6-1847-A5CB-9673A2C2B531}"/>
+              </a:ext>
+            </a:extLst>
+          </p:cNvPr>
+          <p:cNvPicPr>
+            <a:picLocks noChangeAspect="1"/>
+          </p:cNvPicPr>
+          <p:nvPr/>
+        </p:nvPicPr>
+        <p:blipFill>
+          <a:blip r:embed="rId2"/>
+          <a:stretch>
+            <a:fillRect/>
+          </a:stretch>
+        </p:blipFill>
+        <p:spPr>
+          <a:xfrm>
+            <a:off x="6766442" y="3873050"/>
+            <a:ext cx="1978986" cy="2435676"/>
+          </a:xfrm>
+          <a:custGeom>
+            <a:avLst/>
+            <a:gdLst/>
+            <a:ahLst/>
+            <a:cxnLst/>
+            <a:rect l="l" t="t" r="r" b="b"/>
+            <a:pathLst>
+              <a:path w="2434045" h="2435676">
+                <a:moveTo>
+                  <a:pt x="0" y="0"/>
+                </a:moveTo>
+                <a:lnTo>
+                  <a:pt x="2434045" y="0"/>
+                </a:lnTo>
+                <a:lnTo>
+                  <a:pt x="2434045" y="2435676"/>
+                </a:lnTo>
+                <a:lnTo>
+                  <a:pt x="0" y="2435676"/>
+                </a:lnTo>
+                <a:close/>
+              </a:path>
+            </a:pathLst>
+          </a:custGeom>
+        </p:spPr>
+      </p:pic>
+      <p:pic>
+        <p:nvPicPr>
+          <p:cNvPr id="10" name="Picture 9" descr="Logo&#10;&#10;Description automatically generated">
+            <a:extLst>
+              <a:ext uri="{FF2B5EF4-FFF2-40B4-BE49-F238E27FC236}">
+                <a16:creationId xmlns:a16="http://schemas.microsoft.com/office/drawing/2014/main" id="{65164C21-0E00-2C4D-AB33-F4068A4EA30E}"/>
+              </a:ext>
+            </a:extLst>
+          </p:cNvPr>
+          <p:cNvPicPr>
+            <a:picLocks noChangeAspect="1"/>
+          </p:cNvPicPr>
+          <p:nvPr/>
+        </p:nvPicPr>
+        <p:blipFill>
+          <a:blip r:embed="rId3"/>
+          <a:stretch>
+            <a:fillRect/>
+          </a:stretch>
+        </p:blipFill>
+        <p:spPr>
+          <a:xfrm>
+            <a:off x="9207093" y="3873865"/>
+            <a:ext cx="2434045" cy="2434045"/>
+          </a:xfrm>
+          <a:custGeom>
+            <a:avLst/>
+            <a:gdLst/>
+            <a:ahLst/>
+            <a:cxnLst/>
+            <a:rect l="l" t="t" r="r" b="b"/>
+            <a:pathLst>
+              <a:path w="5093106" h="3072225">
+                <a:moveTo>
+                  <a:pt x="0" y="0"/>
+                </a:moveTo>
+                <a:lnTo>
+                  <a:pt x="5093106" y="0"/>
+                </a:lnTo>
+                <a:lnTo>
+                  <a:pt x="5093106" y="3072225"/>
+                </a:lnTo>
+                <a:lnTo>
+                  <a:pt x="0" y="3072225"/>
+                </a:lnTo>
+                <a:close/>
+              </a:path>
+            </a:pathLst>
+          </a:custGeom>
+        </p:spPr>
+      </p:pic>
+      <p:pic>
+        <p:nvPicPr>
+          <p:cNvPr id="4" name="Picture 3">
+            <a:extLst>
+              <a:ext uri="{FF2B5EF4-FFF2-40B4-BE49-F238E27FC236}">
+                <a16:creationId xmlns:a16="http://schemas.microsoft.com/office/drawing/2014/main" id="{B348A585-48C2-024C-89E1-C40C61D7C116}"/>
+              </a:ext>
+            </a:extLst>
+          </p:cNvPr>
+          <p:cNvPicPr>
+            <a:picLocks noChangeAspect="1"/>
+          </p:cNvPicPr>
+          <p:nvPr/>
+        </p:nvPicPr>
+        <p:blipFill>
+          <a:blip r:embed="rId4"/>
+          <a:stretch>
+            <a:fillRect/>
+          </a:stretch>
+        </p:blipFill>
+        <p:spPr>
+          <a:xfrm>
+            <a:off x="7986560" y="354968"/>
+            <a:ext cx="2463800" cy="3162300"/>
+          </a:xfrm>
+          <a:prstGeom prst="rect">
+            <a:avLst/>
+          </a:prstGeom>
+        </p:spPr>
+      </p:pic>
+    </p:spTree>
+    <p:extLst>
+      <p:ext uri="{BB962C8B-B14F-4D97-AF65-F5344CB8AC3E}">
+        <p14:creationId xmlns:p14="http://schemas.microsoft.com/office/powerpoint/2010/main" val="1927737089"/>
+      </p:ext>
+    </p:extLst>
+  </p:cSld>
+  <p:clrMapOvr>
+    <a:masterClrMapping/>
+  </p:clrMapOvr>
+</p:sld>
+</file>
+
+<file path=ppt/slides/slide4.xml><?xml version="1.0" encoding="utf-8"?>
+<p:sld xmlns:a="http://schemas.openxmlformats.org/drawingml/2006/main" xmlns:r="http://schemas.openxmlformats.org/officeDocument/2006/relationships" xmlns:p="http://schemas.openxmlformats.org/presentationml/2006/main">
+  <p:cSld>
+    <p:bg>
+      <p:bgPr>
+        <a:solidFill>
+          <a:schemeClr val="bg2"/>
+        </a:solidFill>
+        <a:effectLst/>
+      </p:bgPr>
+    </p:bg>
+    <p:spTree>
+      <p:nvGrpSpPr>
+        <p:cNvPr id="1" name=""/>
+        <p:cNvGrpSpPr/>
+        <p:nvPr/>
+      </p:nvGrpSpPr>
+      <p:grpSpPr>
+        <a:xfrm>
+          <a:off x="0" y="0"/>
+          <a:ext cx="0" cy="0"/>
+          <a:chOff x="0" y="0"/>
+          <a:chExt cx="0" cy="0"/>
+        </a:xfrm>
+      </p:grpSpPr>
       <p:sp useBgFill="1">
         <p:nvSpPr>
           <p:cNvPr id="9" name="Rectangle 8">
@@ -32466,7 +33564,7 @@
 </p:sld>
 </file>
 
-<file path=ppt/slides/slide4.xml><?xml version="1.0" encoding="utf-8"?>
+<file path=ppt/slides/slide5.xml><?xml version="1.0" encoding="utf-8"?>
 <p:sld xmlns:a="http://schemas.openxmlformats.org/drawingml/2006/main" xmlns:r="http://schemas.openxmlformats.org/officeDocument/2006/relationships" xmlns:p="http://schemas.openxmlformats.org/presentationml/2006/main">
   <p:cSld>
     <p:bg>
@@ -33611,1155 +34709,6 @@
     <p:extLst>
       <p:ext uri="{BB962C8B-B14F-4D97-AF65-F5344CB8AC3E}">
         <p14:creationId xmlns:p14="http://schemas.microsoft.com/office/powerpoint/2010/main" val="3949044"/>
-      </p:ext>
-    </p:extLst>
-  </p:cSld>
-  <p:clrMapOvr>
-    <a:masterClrMapping/>
-  </p:clrMapOvr>
-</p:sld>
-</file>
-
-<file path=ppt/slides/slide5.xml><?xml version="1.0" encoding="utf-8"?>
-<p:sld xmlns:a="http://schemas.openxmlformats.org/drawingml/2006/main" xmlns:r="http://schemas.openxmlformats.org/officeDocument/2006/relationships" xmlns:p="http://schemas.openxmlformats.org/presentationml/2006/main">
-  <p:cSld>
-    <p:bg>
-      <p:bgPr>
-        <a:solidFill>
-          <a:schemeClr val="bg2"/>
-        </a:solidFill>
-        <a:effectLst/>
-      </p:bgPr>
-    </p:bg>
-    <p:spTree>
-      <p:nvGrpSpPr>
-        <p:cNvPr id="1" name=""/>
-        <p:cNvGrpSpPr/>
-        <p:nvPr/>
-      </p:nvGrpSpPr>
-      <p:grpSpPr>
-        <a:xfrm>
-          <a:off x="0" y="0"/>
-          <a:ext cx="0" cy="0"/>
-          <a:chOff x="0" y="0"/>
-          <a:chExt cx="0" cy="0"/>
-        </a:xfrm>
-      </p:grpSpPr>
-      <p:grpSp>
-        <p:nvGrpSpPr>
-          <p:cNvPr id="30" name="Group 14">
-            <a:extLst>
-              <a:ext uri="{FF2B5EF4-FFF2-40B4-BE49-F238E27FC236}">
-                <a16:creationId xmlns:a16="http://schemas.microsoft.com/office/drawing/2014/main" id="{3BDBC526-6DCD-4FF6-8395-D8C22E46E527}"/>
-              </a:ext>
-              <a:ext uri="{C183D7F6-B498-43B3-948B-1728B52AA6E4}">
-                <adec:decorative xmlns:adec="http://schemas.microsoft.com/office/drawing/2017/decorative" val="1"/>
-              </a:ext>
-            </a:extLst>
-          </p:cNvPr>
-          <p:cNvGrpSpPr>
-            <a:grpSpLocks noGrp="1" noUngrp="1" noRot="1" noChangeAspect="1" noMove="1" noResize="1"/>
-          </p:cNvGrpSpPr>
-          <p:nvPr>
-            <p:extLst>
-              <p:ext uri="{386F3935-93C4-4BCD-93E2-E3B085C9AB24}">
-                <p16:designElem xmlns:p16="http://schemas.microsoft.com/office/powerpoint/2015/main" val="1"/>
-              </p:ext>
-            </p:extLst>
-          </p:nvPr>
-        </p:nvGrpSpPr>
-        <p:grpSpPr>
-          <a:xfrm>
-            <a:off x="613998" y="5334748"/>
-            <a:ext cx="678135" cy="990000"/>
-            <a:chOff x="10490969" y="1448827"/>
-            <a:chExt cx="678135" cy="990000"/>
-          </a:xfrm>
-        </p:grpSpPr>
-        <p:sp>
-          <p:nvSpPr>
-            <p:cNvPr id="16" name="Freeform: Shape 15">
-              <a:extLst>
-                <a:ext uri="{FF2B5EF4-FFF2-40B4-BE49-F238E27FC236}">
-                  <a16:creationId xmlns:a16="http://schemas.microsoft.com/office/drawing/2014/main" id="{02ECB475-568C-47AC-B16D-2E202DEB2DE0}"/>
-                </a:ext>
-                <a:ext uri="{C183D7F6-B498-43B3-948B-1728B52AA6E4}">
-                  <adec:decorative xmlns:adec="http://schemas.microsoft.com/office/drawing/2017/decorative" val="1"/>
-                </a:ext>
-              </a:extLst>
-            </p:cNvPr>
-            <p:cNvSpPr>
-              <a:spLocks noChangeAspect="1"/>
-            </p:cNvSpPr>
-            <p:nvPr>
-              <p:extLst>
-                <p:ext uri="{386F3935-93C4-4BCD-93E2-E3B085C9AB24}">
-                  <p16:designElem xmlns:p16="http://schemas.microsoft.com/office/powerpoint/2015/main" val="1"/>
-                </p:ext>
-              </p:extLst>
-            </p:nvPr>
-          </p:nvSpPr>
-          <p:spPr>
-            <a:xfrm rot="2700000" flipH="1" flipV="1">
-              <a:off x="10268976" y="1743588"/>
-              <a:ext cx="926985" cy="463493"/>
-            </a:xfrm>
-            <a:custGeom>
-              <a:avLst/>
-              <a:gdLst>
-                <a:gd name="connsiteX0" fmla="*/ 1329373 w 2658746"/>
-                <a:gd name="connsiteY0" fmla="*/ 0 h 1329373"/>
-                <a:gd name="connsiteX1" fmla="*/ 2658746 w 2658746"/>
-                <a:gd name="connsiteY1" fmla="*/ 1329373 h 1329373"/>
-                <a:gd name="connsiteX2" fmla="*/ 1994059 w 2658746"/>
-                <a:gd name="connsiteY2" fmla="*/ 1329373 h 1329373"/>
-                <a:gd name="connsiteX3" fmla="*/ 1329373 w 2658746"/>
-                <a:gd name="connsiteY3" fmla="*/ 664687 h 1329373"/>
-                <a:gd name="connsiteX4" fmla="*/ 664687 w 2658746"/>
-                <a:gd name="connsiteY4" fmla="*/ 1329373 h 1329373"/>
-                <a:gd name="connsiteX5" fmla="*/ 0 w 2658746"/>
-                <a:gd name="connsiteY5" fmla="*/ 1329373 h 1329373"/>
-                <a:gd name="connsiteX6" fmla="*/ 1329373 w 2658746"/>
-                <a:gd name="connsiteY6" fmla="*/ 0 h 1329373"/>
-              </a:gdLst>
-              <a:ahLst/>
-              <a:cxnLst>
-                <a:cxn ang="0">
-                  <a:pos x="connsiteX0" y="connsiteY0"/>
-                </a:cxn>
-                <a:cxn ang="0">
-                  <a:pos x="connsiteX1" y="connsiteY1"/>
-                </a:cxn>
-                <a:cxn ang="0">
-                  <a:pos x="connsiteX2" y="connsiteY2"/>
-                </a:cxn>
-                <a:cxn ang="0">
-                  <a:pos x="connsiteX3" y="connsiteY3"/>
-                </a:cxn>
-                <a:cxn ang="0">
-                  <a:pos x="connsiteX4" y="connsiteY4"/>
-                </a:cxn>
-                <a:cxn ang="0">
-                  <a:pos x="connsiteX5" y="connsiteY5"/>
-                </a:cxn>
-                <a:cxn ang="0">
-                  <a:pos x="connsiteX6" y="connsiteY6"/>
-                </a:cxn>
-              </a:cxnLst>
-              <a:rect l="l" t="t" r="r" b="b"/>
-              <a:pathLst>
-                <a:path w="2658746" h="1329373">
-                  <a:moveTo>
-                    <a:pt x="1329373" y="0"/>
-                  </a:moveTo>
-                  <a:cubicBezTo>
-                    <a:pt x="2063565" y="0"/>
-                    <a:pt x="2658746" y="595181"/>
-                    <a:pt x="2658746" y="1329373"/>
-                  </a:cubicBezTo>
-                  <a:lnTo>
-                    <a:pt x="1994059" y="1329373"/>
-                  </a:lnTo>
-                  <a:cubicBezTo>
-                    <a:pt x="1994059" y="962277"/>
-                    <a:pt x="1696469" y="664687"/>
-                    <a:pt x="1329373" y="664687"/>
-                  </a:cubicBezTo>
-                  <a:cubicBezTo>
-                    <a:pt x="962277" y="664687"/>
-                    <a:pt x="664687" y="962277"/>
-                    <a:pt x="664687" y="1329373"/>
-                  </a:cubicBezTo>
-                  <a:lnTo>
-                    <a:pt x="0" y="1329373"/>
-                  </a:lnTo>
-                  <a:cubicBezTo>
-                    <a:pt x="0" y="595181"/>
-                    <a:pt x="595181" y="0"/>
-                    <a:pt x="1329373" y="0"/>
-                  </a:cubicBezTo>
-                  <a:close/>
-                </a:path>
-              </a:pathLst>
-            </a:custGeom>
-            <a:solidFill>
-              <a:schemeClr val="bg2"/>
-            </a:solidFill>
-            <a:ln>
-              <a:noFill/>
-            </a:ln>
-            <a:effectLst>
-              <a:innerShdw blurRad="127000" dist="50800" dir="13500000">
-                <a:schemeClr val="accent1">
-                  <a:lumMod val="40000"/>
-                  <a:lumOff val="60000"/>
-                  <a:alpha val="20000"/>
-                </a:schemeClr>
-              </a:innerShdw>
-            </a:effectLst>
-          </p:spPr>
-          <p:style>
-            <a:lnRef idx="2">
-              <a:schemeClr val="accent1">
-                <a:shade val="50000"/>
-              </a:schemeClr>
-            </a:lnRef>
-            <a:fillRef idx="1">
-              <a:schemeClr val="accent1"/>
-            </a:fillRef>
-            <a:effectRef idx="0">
-              <a:schemeClr val="accent1"/>
-            </a:effectRef>
-            <a:fontRef idx="minor">
-              <a:schemeClr val="lt1"/>
-            </a:fontRef>
-          </p:style>
-          <p:txBody>
-            <a:bodyPr rtlCol="0" anchor="ctr"/>
-            <a:lstStyle/>
-            <a:p>
-              <a:pPr algn="ctr"/>
-              <a:endParaRPr lang="en-US">
-                <a:solidFill>
-                  <a:schemeClr val="tx1"/>
-                </a:solidFill>
-              </a:endParaRPr>
-            </a:p>
-          </p:txBody>
-        </p:sp>
-        <p:sp>
-          <p:nvSpPr>
-            <p:cNvPr id="17" name="Oval 16">
-              <a:extLst>
-                <a:ext uri="{FF2B5EF4-FFF2-40B4-BE49-F238E27FC236}">
-                  <a16:creationId xmlns:a16="http://schemas.microsoft.com/office/drawing/2014/main" id="{080D8764-525A-441E-B58F-068E82F09714}"/>
-                </a:ext>
-                <a:ext uri="{C183D7F6-B498-43B3-948B-1728B52AA6E4}">
-                  <adec:decorative xmlns:adec="http://schemas.microsoft.com/office/drawing/2017/decorative" val="1"/>
-                </a:ext>
-              </a:extLst>
-            </p:cNvPr>
-            <p:cNvSpPr/>
-            <p:nvPr>
-              <p:extLst>
-                <p:ext uri="{386F3935-93C4-4BCD-93E2-E3B085C9AB24}">
-                  <p16:designElem xmlns:p16="http://schemas.microsoft.com/office/powerpoint/2015/main" val="1"/>
-                </p:ext>
-              </p:extLst>
-            </p:nvPr>
-          </p:nvSpPr>
-          <p:spPr>
-            <a:xfrm rot="8100000" flipH="1" flipV="1">
-              <a:off x="11115555" y="1939340"/>
-              <a:ext cx="53549" cy="233295"/>
-            </a:xfrm>
-            <a:prstGeom prst="ellipse">
-              <a:avLst/>
-            </a:prstGeom>
-            <a:solidFill>
-              <a:schemeClr val="bg2">
-                <a:lumMod val="90000"/>
-                <a:lumOff val="10000"/>
-              </a:schemeClr>
-            </a:solidFill>
-            <a:ln>
-              <a:noFill/>
-            </a:ln>
-            <a:effectLst>
-              <a:innerShdw blurRad="63500" dist="2540000">
-                <a:schemeClr val="accent1">
-                  <a:lumMod val="60000"/>
-                  <a:lumOff val="40000"/>
-                  <a:alpha val="0"/>
-                </a:schemeClr>
-              </a:innerShdw>
-            </a:effectLst>
-          </p:spPr>
-          <p:style>
-            <a:lnRef idx="2">
-              <a:schemeClr val="accent1">
-                <a:shade val="50000"/>
-              </a:schemeClr>
-            </a:lnRef>
-            <a:fillRef idx="1">
-              <a:schemeClr val="accent1"/>
-            </a:fillRef>
-            <a:effectRef idx="0">
-              <a:schemeClr val="accent1"/>
-            </a:effectRef>
-            <a:fontRef idx="minor">
-              <a:schemeClr val="lt1"/>
-            </a:fontRef>
-          </p:style>
-          <p:txBody>
-            <a:bodyPr rot="0" spcFirstLastPara="0" vertOverflow="overflow" horzOverflow="overflow" vert="horz" wrap="square" lIns="91440" tIns="45720" rIns="91440" bIns="45720" numCol="1" spcCol="0" rtlCol="0" fromWordArt="0" anchor="ctr" anchorCtr="0" forceAA="0" compatLnSpc="1">
-              <a:prstTxWarp prst="textNoShape">
-                <a:avLst/>
-              </a:prstTxWarp>
-              <a:noAutofit/>
-            </a:bodyPr>
-            <a:lstStyle/>
-            <a:p>
-              <a:pPr algn="ctr"/>
-              <a:endParaRPr lang="en-US"/>
-            </a:p>
-          </p:txBody>
-        </p:sp>
-        <p:sp>
-          <p:nvSpPr>
-            <p:cNvPr id="18" name="Oval 17">
-              <a:extLst>
-                <a:ext uri="{FF2B5EF4-FFF2-40B4-BE49-F238E27FC236}">
-                  <a16:creationId xmlns:a16="http://schemas.microsoft.com/office/drawing/2014/main" id="{11196109-6F2B-4738-B2FC-2CCC753AABD4}"/>
-                </a:ext>
-                <a:ext uri="{C183D7F6-B498-43B3-948B-1728B52AA6E4}">
-                  <adec:decorative xmlns:adec="http://schemas.microsoft.com/office/drawing/2017/decorative" val="1"/>
-                </a:ext>
-              </a:extLst>
-            </p:cNvPr>
-            <p:cNvSpPr/>
-            <p:nvPr>
-              <p:extLst>
-                <p:ext uri="{386F3935-93C4-4BCD-93E2-E3B085C9AB24}">
-                  <p16:designElem xmlns:p16="http://schemas.microsoft.com/office/powerpoint/2015/main" val="1"/>
-                </p:ext>
-              </p:extLst>
-            </p:nvPr>
-          </p:nvSpPr>
-          <p:spPr>
-            <a:xfrm rot="8100000" flipH="1" flipV="1">
-              <a:off x="10625042" y="1448827"/>
-              <a:ext cx="53549" cy="233295"/>
-            </a:xfrm>
-            <a:prstGeom prst="ellipse">
-              <a:avLst/>
-            </a:prstGeom>
-            <a:solidFill>
-              <a:schemeClr val="bg2">
-                <a:lumMod val="90000"/>
-                <a:lumOff val="10000"/>
-              </a:schemeClr>
-            </a:solidFill>
-            <a:ln>
-              <a:noFill/>
-            </a:ln>
-            <a:effectLst>
-              <a:innerShdw blurRad="63500" dist="2540000">
-                <a:schemeClr val="accent1">
-                  <a:lumMod val="60000"/>
-                  <a:lumOff val="40000"/>
-                  <a:alpha val="0"/>
-                </a:schemeClr>
-              </a:innerShdw>
-            </a:effectLst>
-          </p:spPr>
-          <p:style>
-            <a:lnRef idx="2">
-              <a:schemeClr val="accent1">
-                <a:shade val="50000"/>
-              </a:schemeClr>
-            </a:lnRef>
-            <a:fillRef idx="1">
-              <a:schemeClr val="accent1"/>
-            </a:fillRef>
-            <a:effectRef idx="0">
-              <a:schemeClr val="accent1"/>
-            </a:effectRef>
-            <a:fontRef idx="minor">
-              <a:schemeClr val="lt1"/>
-            </a:fontRef>
-          </p:style>
-          <p:txBody>
-            <a:bodyPr rot="0" spcFirstLastPara="0" vertOverflow="overflow" horzOverflow="overflow" vert="horz" wrap="square" lIns="91440" tIns="45720" rIns="91440" bIns="45720" numCol="1" spcCol="0" rtlCol="0" fromWordArt="0" anchor="ctr" anchorCtr="0" forceAA="0" compatLnSpc="1">
-              <a:prstTxWarp prst="textNoShape">
-                <a:avLst/>
-              </a:prstTxWarp>
-              <a:noAutofit/>
-            </a:bodyPr>
-            <a:lstStyle/>
-            <a:p>
-              <a:pPr algn="ctr"/>
-              <a:endParaRPr lang="en-US"/>
-            </a:p>
-          </p:txBody>
-        </p:sp>
-        <p:sp>
-          <p:nvSpPr>
-            <p:cNvPr id="19" name="Freeform: Shape 18">
-              <a:extLst>
-                <a:ext uri="{FF2B5EF4-FFF2-40B4-BE49-F238E27FC236}">
-                  <a16:creationId xmlns:a16="http://schemas.microsoft.com/office/drawing/2014/main" id="{F7E468C2-69B8-470B-85E3-801A3CB1D7E2}"/>
-                </a:ext>
-                <a:ext uri="{C183D7F6-B498-43B3-948B-1728B52AA6E4}">
-                  <adec:decorative xmlns:adec="http://schemas.microsoft.com/office/drawing/2017/decorative" val="1"/>
-                </a:ext>
-              </a:extLst>
-            </p:cNvPr>
-            <p:cNvSpPr>
-              <a:spLocks noChangeAspect="1"/>
-            </p:cNvSpPr>
-            <p:nvPr>
-              <p:extLst>
-                <p:ext uri="{386F3935-93C4-4BCD-93E2-E3B085C9AB24}">
-                  <p16:designElem xmlns:p16="http://schemas.microsoft.com/office/powerpoint/2015/main" val="1"/>
-                </p:ext>
-              </p:extLst>
-            </p:nvPr>
-          </p:nvSpPr>
-          <p:spPr>
-            <a:xfrm rot="2700000" flipH="1" flipV="1">
-              <a:off x="10292519" y="1686748"/>
-              <a:ext cx="926985" cy="530086"/>
-            </a:xfrm>
-            <a:custGeom>
-              <a:avLst/>
-              <a:gdLst>
-                <a:gd name="connsiteX0" fmla="*/ 1329373 w 2658746"/>
-                <a:gd name="connsiteY0" fmla="*/ 0 h 1329373"/>
-                <a:gd name="connsiteX1" fmla="*/ 2658746 w 2658746"/>
-                <a:gd name="connsiteY1" fmla="*/ 1329373 h 1329373"/>
-                <a:gd name="connsiteX2" fmla="*/ 1994059 w 2658746"/>
-                <a:gd name="connsiteY2" fmla="*/ 1329373 h 1329373"/>
-                <a:gd name="connsiteX3" fmla="*/ 1329373 w 2658746"/>
-                <a:gd name="connsiteY3" fmla="*/ 664687 h 1329373"/>
-                <a:gd name="connsiteX4" fmla="*/ 664687 w 2658746"/>
-                <a:gd name="connsiteY4" fmla="*/ 1329373 h 1329373"/>
-                <a:gd name="connsiteX5" fmla="*/ 0 w 2658746"/>
-                <a:gd name="connsiteY5" fmla="*/ 1329373 h 1329373"/>
-                <a:gd name="connsiteX6" fmla="*/ 1329373 w 2658746"/>
-                <a:gd name="connsiteY6" fmla="*/ 0 h 1329373"/>
-              </a:gdLst>
-              <a:ahLst/>
-              <a:cxnLst>
-                <a:cxn ang="0">
-                  <a:pos x="connsiteX0" y="connsiteY0"/>
-                </a:cxn>
-                <a:cxn ang="0">
-                  <a:pos x="connsiteX1" y="connsiteY1"/>
-                </a:cxn>
-                <a:cxn ang="0">
-                  <a:pos x="connsiteX2" y="connsiteY2"/>
-                </a:cxn>
-                <a:cxn ang="0">
-                  <a:pos x="connsiteX3" y="connsiteY3"/>
-                </a:cxn>
-                <a:cxn ang="0">
-                  <a:pos x="connsiteX4" y="connsiteY4"/>
-                </a:cxn>
-                <a:cxn ang="0">
-                  <a:pos x="connsiteX5" y="connsiteY5"/>
-                </a:cxn>
-                <a:cxn ang="0">
-                  <a:pos x="connsiteX6" y="connsiteY6"/>
-                </a:cxn>
-              </a:cxnLst>
-              <a:rect l="l" t="t" r="r" b="b"/>
-              <a:pathLst>
-                <a:path w="2658746" h="1329373">
-                  <a:moveTo>
-                    <a:pt x="1329373" y="0"/>
-                  </a:moveTo>
-                  <a:cubicBezTo>
-                    <a:pt x="2063565" y="0"/>
-                    <a:pt x="2658746" y="595181"/>
-                    <a:pt x="2658746" y="1329373"/>
-                  </a:cubicBezTo>
-                  <a:lnTo>
-                    <a:pt x="1994059" y="1329373"/>
-                  </a:lnTo>
-                  <a:cubicBezTo>
-                    <a:pt x="1994059" y="962277"/>
-                    <a:pt x="1696469" y="664687"/>
-                    <a:pt x="1329373" y="664687"/>
-                  </a:cubicBezTo>
-                  <a:cubicBezTo>
-                    <a:pt x="962277" y="664687"/>
-                    <a:pt x="664687" y="962277"/>
-                    <a:pt x="664687" y="1329373"/>
-                  </a:cubicBezTo>
-                  <a:lnTo>
-                    <a:pt x="0" y="1329373"/>
-                  </a:lnTo>
-                  <a:cubicBezTo>
-                    <a:pt x="0" y="595181"/>
-                    <a:pt x="595181" y="0"/>
-                    <a:pt x="1329373" y="0"/>
-                  </a:cubicBezTo>
-                  <a:close/>
-                </a:path>
-              </a:pathLst>
-            </a:custGeom>
-            <a:solidFill>
-              <a:schemeClr val="bg2">
-                <a:lumMod val="50000"/>
-                <a:lumOff val="50000"/>
-                <a:alpha val="20000"/>
-              </a:schemeClr>
-            </a:solidFill>
-            <a:ln>
-              <a:noFill/>
-            </a:ln>
-            <a:effectLst>
-              <a:softEdge rad="101600"/>
-            </a:effectLst>
-          </p:spPr>
-          <p:style>
-            <a:lnRef idx="2">
-              <a:schemeClr val="accent1">
-                <a:shade val="50000"/>
-              </a:schemeClr>
-            </a:lnRef>
-            <a:fillRef idx="1">
-              <a:schemeClr val="accent1"/>
-            </a:fillRef>
-            <a:effectRef idx="0">
-              <a:schemeClr val="accent1"/>
-            </a:effectRef>
-            <a:fontRef idx="minor">
-              <a:schemeClr val="lt1"/>
-            </a:fontRef>
-          </p:style>
-          <p:txBody>
-            <a:bodyPr rtlCol="0" anchor="ctr"/>
-            <a:lstStyle/>
-            <a:p>
-              <a:pPr algn="ctr"/>
-              <a:endParaRPr lang="en-US">
-                <a:solidFill>
-                  <a:schemeClr val="tx1"/>
-                </a:solidFill>
-              </a:endParaRPr>
-            </a:p>
-          </p:txBody>
-        </p:sp>
-      </p:grpSp>
-      <p:sp useBgFill="1">
-        <p:nvSpPr>
-          <p:cNvPr id="31" name="Rectangle 20">
-            <a:extLst>
-              <a:ext uri="{FF2B5EF4-FFF2-40B4-BE49-F238E27FC236}">
-                <a16:creationId xmlns:a16="http://schemas.microsoft.com/office/drawing/2014/main" id="{A5931BE0-4B93-4D6C-878E-ACC59D6B4587}"/>
-              </a:ext>
-              <a:ext uri="{C183D7F6-B498-43B3-948B-1728B52AA6E4}">
-                <adec:decorative xmlns:adec="http://schemas.microsoft.com/office/drawing/2017/decorative" val="1"/>
-              </a:ext>
-            </a:extLst>
-          </p:cNvPr>
-          <p:cNvSpPr>
-            <a:spLocks noGrp="1" noRot="1" noChangeAspect="1" noMove="1" noResize="1" noEditPoints="1" noAdjustHandles="1" noChangeArrowheads="1" noChangeShapeType="1" noTextEdit="1"/>
-          </p:cNvSpPr>
-          <p:nvPr>
-            <p:extLst>
-              <p:ext uri="{386F3935-93C4-4BCD-93E2-E3B085C9AB24}">
-                <p16:designElem xmlns:p16="http://schemas.microsoft.com/office/powerpoint/2015/main" val="1"/>
-              </p:ext>
-            </p:extLst>
-          </p:nvPr>
-        </p:nvSpPr>
-        <p:spPr>
-          <a:xfrm>
-            <a:off x="0" y="0"/>
-            <a:ext cx="12192000" cy="6858000"/>
-          </a:xfrm>
-          <a:prstGeom prst="rect">
-            <a:avLst/>
-          </a:prstGeom>
-          <a:ln w="12700" cap="flat" cmpd="sng" algn="ctr">
-            <a:noFill/>
-            <a:prstDash val="solid"/>
-            <a:miter lim="800000"/>
-          </a:ln>
-          <a:effectLst/>
-          <a:extLst>
-            <a:ext uri="{91240B29-F687-4F45-9708-019B960494DF}">
-              <a14:hiddenLine xmlns:a14="http://schemas.microsoft.com/office/drawing/2010/main" w="12700" cap="flat" cmpd="sng" algn="ctr">
-                <a:solidFill>
-                  <a:schemeClr val="accent1">
-                    <a:shade val="50000"/>
-                  </a:schemeClr>
-                </a:solidFill>
-                <a:prstDash val="solid"/>
-                <a:miter lim="800000"/>
-              </a14:hiddenLine>
-            </a:ext>
-          </a:extLst>
-        </p:spPr>
-        <p:style>
-          <a:lnRef idx="2">
-            <a:schemeClr val="accent1">
-              <a:shade val="50000"/>
-            </a:schemeClr>
-          </a:lnRef>
-          <a:fillRef idx="1">
-            <a:schemeClr val="accent1"/>
-          </a:fillRef>
-          <a:effectRef idx="0">
-            <a:schemeClr val="accent1"/>
-          </a:effectRef>
-          <a:fontRef idx="minor">
-            <a:schemeClr val="lt1"/>
-          </a:fontRef>
-        </p:style>
-        <p:txBody>
-          <a:bodyPr rtlCol="0" anchor="ctr"/>
-          <a:lstStyle/>
-          <a:p>
-            <a:pPr algn="ctr"/>
-            <a:endParaRPr lang="en-US"/>
-          </a:p>
-        </p:txBody>
-      </p:sp>
-      <p:sp>
-        <p:nvSpPr>
-          <p:cNvPr id="32" name="Oval 22">
-            <a:extLst>
-              <a:ext uri="{FF2B5EF4-FFF2-40B4-BE49-F238E27FC236}">
-                <a16:creationId xmlns:a16="http://schemas.microsoft.com/office/drawing/2014/main" id="{C6F6146E-6788-4AF7-A775-99E5CB71EB03}"/>
-              </a:ext>
-              <a:ext uri="{C183D7F6-B498-43B3-948B-1728B52AA6E4}">
-                <adec:decorative xmlns:adec="http://schemas.microsoft.com/office/drawing/2017/decorative" val="1"/>
-              </a:ext>
-            </a:extLst>
-          </p:cNvPr>
-          <p:cNvSpPr>
-            <a:spLocks noGrp="1" noRot="1" noChangeAspect="1" noMove="1" noResize="1" noEditPoints="1" noAdjustHandles="1" noChangeArrowheads="1" noChangeShapeType="1" noTextEdit="1"/>
-          </p:cNvSpPr>
-          <p:nvPr>
-            <p:extLst>
-              <p:ext uri="{386F3935-93C4-4BCD-93E2-E3B085C9AB24}">
-                <p16:designElem xmlns:p16="http://schemas.microsoft.com/office/powerpoint/2015/main" val="1"/>
-              </p:ext>
-            </p:extLst>
-          </p:nvPr>
-        </p:nvSpPr>
-        <p:spPr>
-          <a:xfrm>
-            <a:off x="465304" y="549275"/>
-            <a:ext cx="360000" cy="360000"/>
-          </a:xfrm>
-          <a:prstGeom prst="ellipse">
-            <a:avLst/>
-          </a:prstGeom>
-          <a:gradFill flip="none" rotWithShape="1">
-            <a:gsLst>
-              <a:gs pos="100000">
-                <a:schemeClr val="bg2">
-                  <a:lumMod val="50000"/>
-                  <a:lumOff val="50000"/>
-                </a:schemeClr>
-              </a:gs>
-              <a:gs pos="60000">
-                <a:schemeClr val="bg2"/>
-              </a:gs>
-            </a:gsLst>
-            <a:path path="circle">
-              <a:fillToRect l="100000" b="100000"/>
-            </a:path>
-            <a:tileRect t="-100000" r="-100000"/>
-          </a:gradFill>
-          <a:ln>
-            <a:noFill/>
-          </a:ln>
-          <a:effectLst>
-            <a:innerShdw blurRad="127000" dist="63500" dir="2700000">
-              <a:schemeClr val="accent1">
-                <a:lumMod val="60000"/>
-                <a:lumOff val="40000"/>
-                <a:alpha val="20000"/>
-              </a:schemeClr>
-            </a:innerShdw>
-            <a:softEdge rad="0"/>
-          </a:effectLst>
-        </p:spPr>
-        <p:style>
-          <a:lnRef idx="2">
-            <a:schemeClr val="accent1">
-              <a:shade val="50000"/>
-            </a:schemeClr>
-          </a:lnRef>
-          <a:fillRef idx="1">
-            <a:schemeClr val="accent1"/>
-          </a:fillRef>
-          <a:effectRef idx="0">
-            <a:schemeClr val="accent1"/>
-          </a:effectRef>
-          <a:fontRef idx="minor">
-            <a:schemeClr val="lt1"/>
-          </a:fontRef>
-        </p:style>
-        <p:txBody>
-          <a:bodyPr rot="0" spcFirstLastPara="0" vertOverflow="overflow" horzOverflow="overflow" vert="horz" wrap="square" lIns="91440" tIns="45720" rIns="91440" bIns="45720" numCol="1" spcCol="0" rtlCol="0" fromWordArt="0" anchor="ctr" anchorCtr="0" forceAA="0" compatLnSpc="1">
-            <a:prstTxWarp prst="textNoShape">
-              <a:avLst/>
-            </a:prstTxWarp>
-            <a:noAutofit/>
-          </a:bodyPr>
-          <a:lstStyle/>
-          <a:p>
-            <a:pPr algn="ctr"/>
-            <a:endParaRPr lang="en-US"/>
-          </a:p>
-        </p:txBody>
-      </p:sp>
-      <p:sp>
-        <p:nvSpPr>
-          <p:cNvPr id="2" name="Title 1">
-            <a:extLst>
-              <a:ext uri="{FF2B5EF4-FFF2-40B4-BE49-F238E27FC236}">
-                <a16:creationId xmlns:a16="http://schemas.microsoft.com/office/drawing/2014/main" id="{F4A7160A-F71D-6F44-8DCD-60596E2C5932}"/>
-              </a:ext>
-            </a:extLst>
-          </p:cNvPr>
-          <p:cNvSpPr>
-            <a:spLocks noGrp="1"/>
-          </p:cNvSpPr>
-          <p:nvPr>
-            <p:ph type="title" idx="4294967295"/>
-          </p:nvPr>
-        </p:nvSpPr>
-        <p:spPr>
-          <a:xfrm>
-            <a:off x="550864" y="549275"/>
-            <a:ext cx="5437186" cy="1651022"/>
-          </a:xfrm>
-        </p:spPr>
-        <p:txBody>
-          <a:bodyPr vert="horz" wrap="square" lIns="0" tIns="0" rIns="0" bIns="0" rtlCol="0" anchor="b" anchorCtr="0">
-            <a:normAutofit/>
-          </a:bodyPr>
-          <a:lstStyle/>
-          <a:p>
-            <a:r>
-              <a:rPr lang="en-US" sz="6400"/>
-              <a:t>Introduction</a:t>
-            </a:r>
-          </a:p>
-        </p:txBody>
-      </p:sp>
-      <p:sp>
-        <p:nvSpPr>
-          <p:cNvPr id="33" name="Freeform: Shape 24">
-            <a:extLst>
-              <a:ext uri="{FF2B5EF4-FFF2-40B4-BE49-F238E27FC236}">
-                <a16:creationId xmlns:a16="http://schemas.microsoft.com/office/drawing/2014/main" id="{EFB3398F-FC83-4BB4-A9BB-9224C3369675}"/>
-              </a:ext>
-              <a:ext uri="{C183D7F6-B498-43B3-948B-1728B52AA6E4}">
-                <adec:decorative xmlns:adec="http://schemas.microsoft.com/office/drawing/2017/decorative" val="1"/>
-              </a:ext>
-            </a:extLst>
-          </p:cNvPr>
-          <p:cNvSpPr>
-            <a:spLocks noGrp="1" noRot="1" noChangeAspect="1" noMove="1" noResize="1" noEditPoints="1" noAdjustHandles="1" noChangeArrowheads="1" noChangeShapeType="1" noTextEdit="1"/>
-          </p:cNvSpPr>
-          <p:nvPr>
-            <p:extLst>
-              <p:ext uri="{386F3935-93C4-4BCD-93E2-E3B085C9AB24}">
-                <p16:designElem xmlns:p16="http://schemas.microsoft.com/office/powerpoint/2015/main" val="1"/>
-              </p:ext>
-            </p:extLst>
-          </p:nvPr>
-        </p:nvSpPr>
-        <p:spPr>
-          <a:xfrm rot="18900000" flipV="1">
-            <a:off x="2279869" y="6105227"/>
-            <a:ext cx="871729" cy="824667"/>
-          </a:xfrm>
-          <a:custGeom>
-            <a:avLst/>
-            <a:gdLst>
-              <a:gd name="connsiteX0" fmla="*/ 871729 w 871729"/>
-              <a:gd name="connsiteY0" fmla="*/ 824667 h 824667"/>
-              <a:gd name="connsiteX1" fmla="*/ 386600 w 871729"/>
-              <a:gd name="connsiteY1" fmla="*/ 9564 h 824667"/>
-              <a:gd name="connsiteX2" fmla="*/ 366745 w 871729"/>
-              <a:gd name="connsiteY2" fmla="*/ 0 h 824667"/>
-              <a:gd name="connsiteX3" fmla="*/ 0 w 871729"/>
-              <a:gd name="connsiteY3" fmla="*/ 366745 h 824667"/>
-              <a:gd name="connsiteX4" fmla="*/ 38154 w 871729"/>
-              <a:gd name="connsiteY4" fmla="*/ 370591 h 824667"/>
-              <a:gd name="connsiteX5" fmla="*/ 408236 w 871729"/>
-              <a:gd name="connsiteY5" fmla="*/ 824667 h 824667"/>
-            </a:gdLst>
-            <a:ahLst/>
-            <a:cxnLst>
-              <a:cxn ang="0">
-                <a:pos x="connsiteX0" y="connsiteY0"/>
-              </a:cxn>
-              <a:cxn ang="0">
-                <a:pos x="connsiteX1" y="connsiteY1"/>
-              </a:cxn>
-              <a:cxn ang="0">
-                <a:pos x="connsiteX2" y="connsiteY2"/>
-              </a:cxn>
-              <a:cxn ang="0">
-                <a:pos x="connsiteX3" y="connsiteY3"/>
-              </a:cxn>
-              <a:cxn ang="0">
-                <a:pos x="connsiteX4" y="connsiteY4"/>
-              </a:cxn>
-              <a:cxn ang="0">
-                <a:pos x="connsiteX5" y="connsiteY5"/>
-              </a:cxn>
-            </a:cxnLst>
-            <a:rect l="l" t="t" r="r" b="b"/>
-            <a:pathLst>
-              <a:path w="871729" h="824667">
-                <a:moveTo>
-                  <a:pt x="871729" y="824667"/>
-                </a:moveTo>
-                <a:cubicBezTo>
-                  <a:pt x="871729" y="472695"/>
-                  <a:pt x="675564" y="166539"/>
-                  <a:pt x="386600" y="9564"/>
-                </a:cubicBezTo>
-                <a:lnTo>
-                  <a:pt x="366745" y="0"/>
-                </a:lnTo>
-                <a:lnTo>
-                  <a:pt x="0" y="366745"/>
-                </a:lnTo>
-                <a:lnTo>
-                  <a:pt x="38154" y="370591"/>
-                </a:lnTo>
-                <a:cubicBezTo>
-                  <a:pt x="249360" y="413810"/>
-                  <a:pt x="408236" y="600685"/>
-                  <a:pt x="408236" y="824667"/>
-                </a:cubicBezTo>
-                <a:close/>
-              </a:path>
-            </a:pathLst>
-          </a:custGeom>
-          <a:solidFill>
-            <a:schemeClr val="bg2"/>
-          </a:solidFill>
-          <a:ln>
-            <a:noFill/>
-          </a:ln>
-          <a:effectLst>
-            <a:innerShdw blurRad="254000" dist="50800" dir="16200000">
-              <a:schemeClr val="accent1">
-                <a:lumMod val="60000"/>
-                <a:lumOff val="40000"/>
-                <a:alpha val="40000"/>
-              </a:schemeClr>
-            </a:innerShdw>
-          </a:effectLst>
-        </p:spPr>
-        <p:style>
-          <a:lnRef idx="2">
-            <a:schemeClr val="accent1">
-              <a:shade val="50000"/>
-            </a:schemeClr>
-          </a:lnRef>
-          <a:fillRef idx="1">
-            <a:schemeClr val="accent1"/>
-          </a:fillRef>
-          <a:effectRef idx="0">
-            <a:schemeClr val="accent1"/>
-          </a:effectRef>
-          <a:fontRef idx="minor">
-            <a:schemeClr val="lt1"/>
-          </a:fontRef>
-        </p:style>
-        <p:txBody>
-          <a:bodyPr wrap="square" rtlCol="0" anchor="ctr">
-            <a:noAutofit/>
-          </a:bodyPr>
-          <a:lstStyle/>
-          <a:p>
-            <a:pPr algn="ctr"/>
-            <a:endParaRPr lang="en-US"/>
-          </a:p>
-        </p:txBody>
-      </p:sp>
-      <p:sp>
-        <p:nvSpPr>
-          <p:cNvPr id="34" name="Oval 26">
-            <a:extLst>
-              <a:ext uri="{FF2B5EF4-FFF2-40B4-BE49-F238E27FC236}">
-                <a16:creationId xmlns:a16="http://schemas.microsoft.com/office/drawing/2014/main" id="{38B9BDAC-6C86-465B-B392-FBF5ECE775EA}"/>
-              </a:ext>
-              <a:ext uri="{C183D7F6-B498-43B3-948B-1728B52AA6E4}">
-                <adec:decorative xmlns:adec="http://schemas.microsoft.com/office/drawing/2017/decorative" val="1"/>
-              </a:ext>
-            </a:extLst>
-          </p:cNvPr>
-          <p:cNvSpPr>
-            <a:spLocks noGrp="1" noRot="1" noChangeAspect="1" noMove="1" noResize="1" noEditPoints="1" noAdjustHandles="1" noChangeArrowheads="1" noChangeShapeType="1" noTextEdit="1"/>
-          </p:cNvSpPr>
-          <p:nvPr>
-            <p:extLst>
-              <p:ext uri="{386F3935-93C4-4BCD-93E2-E3B085C9AB24}">
-                <p16:designElem xmlns:p16="http://schemas.microsoft.com/office/powerpoint/2015/main" val="1"/>
-              </p:ext>
-            </p:extLst>
-          </p:nvPr>
-        </p:nvSpPr>
-        <p:spPr>
-          <a:xfrm rot="13500000" flipV="1">
-            <a:off x="2512389" y="5847995"/>
-            <a:ext cx="107098" cy="466589"/>
-          </a:xfrm>
-          <a:prstGeom prst="ellipse">
-            <a:avLst/>
-          </a:prstGeom>
-          <a:solidFill>
-            <a:schemeClr val="bg2">
-              <a:lumMod val="90000"/>
-              <a:lumOff val="10000"/>
-            </a:schemeClr>
-          </a:solidFill>
-          <a:ln>
-            <a:noFill/>
-          </a:ln>
-          <a:effectLst>
-            <a:innerShdw blurRad="63500" dist="2540000">
-              <a:schemeClr val="accent1">
-                <a:lumMod val="60000"/>
-                <a:lumOff val="40000"/>
-                <a:alpha val="0"/>
-              </a:schemeClr>
-            </a:innerShdw>
-          </a:effectLst>
-        </p:spPr>
-        <p:style>
-          <a:lnRef idx="2">
-            <a:schemeClr val="accent1">
-              <a:shade val="50000"/>
-            </a:schemeClr>
-          </a:lnRef>
-          <a:fillRef idx="1">
-            <a:schemeClr val="accent1"/>
-          </a:fillRef>
-          <a:effectRef idx="0">
-            <a:schemeClr val="accent1"/>
-          </a:effectRef>
-          <a:fontRef idx="minor">
-            <a:schemeClr val="lt1"/>
-          </a:fontRef>
-        </p:style>
-        <p:txBody>
-          <a:bodyPr rot="0" spcFirstLastPara="0" vertOverflow="overflow" horzOverflow="overflow" vert="horz" wrap="square" lIns="91440" tIns="45720" rIns="91440" bIns="45720" numCol="1" spcCol="0" rtlCol="0" fromWordArt="0" anchor="ctr" anchorCtr="0" forceAA="0" compatLnSpc="1">
-            <a:prstTxWarp prst="textNoShape">
-              <a:avLst/>
-            </a:prstTxWarp>
-            <a:noAutofit/>
-          </a:bodyPr>
-          <a:lstStyle/>
-          <a:p>
-            <a:pPr algn="ctr"/>
-            <a:endParaRPr lang="en-US"/>
-          </a:p>
-        </p:txBody>
-      </p:sp>
-      <p:sp>
-        <p:nvSpPr>
-          <p:cNvPr id="3" name="Content Placeholder 2">
-            <a:extLst>
-              <a:ext uri="{FF2B5EF4-FFF2-40B4-BE49-F238E27FC236}">
-                <a16:creationId xmlns:a16="http://schemas.microsoft.com/office/drawing/2014/main" id="{CF7E1D46-BD0A-D74C-B9C4-C82B8D7E711F}"/>
-              </a:ext>
-            </a:extLst>
-          </p:cNvPr>
-          <p:cNvSpPr>
-            <a:spLocks noGrp="1"/>
-          </p:cNvSpPr>
-          <p:nvPr>
-            <p:ph idx="4294967295"/>
-          </p:nvPr>
-        </p:nvSpPr>
-        <p:spPr>
-          <a:xfrm>
-            <a:off x="550863" y="2532189"/>
-            <a:ext cx="5437187" cy="2682889"/>
-          </a:xfrm>
-        </p:spPr>
-        <p:txBody>
-          <a:bodyPr vert="horz" wrap="square" lIns="0" tIns="0" rIns="0" bIns="0" rtlCol="0" anchor="t">
-            <a:noAutofit/>
-          </a:bodyPr>
-          <a:lstStyle/>
-          <a:p>
-            <a:r>
-              <a:rPr lang="en-US" sz="1800" b="1"/>
-              <a:t>This project used ROS to demonstrate a simple line following Turtlebot3 in both Gazebo and real environment using Ubuntu 20.04, ROS Noetic and OpenCV 3</a:t>
-            </a:r>
-            <a:endParaRPr lang="en-US" sz="1800" b="1">
-              <a:solidFill>
-                <a:srgbClr val="FFFFFF">
-                  <a:alpha val="60000"/>
-                </a:srgbClr>
-              </a:solidFill>
-              <a:ea typeface="Source Sans Pro"/>
-            </a:endParaRPr>
-          </a:p>
-          <a:p>
-            <a:r>
-              <a:rPr lang="en-US" sz="1800" b="1"/>
-              <a:t>The Turtlebot3 is used as the vehicle to demonstrate the concept which uses simple Image Processing Techniques</a:t>
-            </a:r>
-            <a:endParaRPr lang="en-US" sz="1800" b="1">
-              <a:solidFill>
-                <a:srgbClr val="FFFFFF">
-                  <a:alpha val="60000"/>
-                </a:srgbClr>
-              </a:solidFill>
-              <a:ea typeface="Source Sans Pro"/>
-            </a:endParaRPr>
-          </a:p>
-          <a:p>
-            <a:r>
-              <a:rPr lang="en-US" sz="1800" b="1"/>
-              <a:t>The main decider of the robot’s trajectories is the camera looking parallel at the robot and the target position.</a:t>
-            </a:r>
-            <a:endParaRPr lang="en-US" sz="1800" b="1">
-              <a:solidFill>
-                <a:srgbClr val="FFFFFF">
-                  <a:alpha val="60000"/>
-                </a:srgbClr>
-              </a:solidFill>
-              <a:ea typeface="Source Sans Pro"/>
-            </a:endParaRPr>
-          </a:p>
-        </p:txBody>
-      </p:sp>
-      <p:pic>
-        <p:nvPicPr>
-          <p:cNvPr id="7" name="Picture 6" descr="Icon&#10;&#10;Description automatically generated">
-            <a:extLst>
-              <a:ext uri="{FF2B5EF4-FFF2-40B4-BE49-F238E27FC236}">
-                <a16:creationId xmlns:a16="http://schemas.microsoft.com/office/drawing/2014/main" id="{C42CDD34-CBE6-1847-A5CB-9673A2C2B531}"/>
-              </a:ext>
-            </a:extLst>
-          </p:cNvPr>
-          <p:cNvPicPr>
-            <a:picLocks noChangeAspect="1"/>
-          </p:cNvPicPr>
-          <p:nvPr/>
-        </p:nvPicPr>
-        <p:blipFill>
-          <a:blip r:embed="rId2"/>
-          <a:stretch>
-            <a:fillRect/>
-          </a:stretch>
-        </p:blipFill>
-        <p:spPr>
-          <a:xfrm>
-            <a:off x="6766442" y="3873050"/>
-            <a:ext cx="1978986" cy="2435676"/>
-          </a:xfrm>
-          <a:custGeom>
-            <a:avLst/>
-            <a:gdLst/>
-            <a:ahLst/>
-            <a:cxnLst/>
-            <a:rect l="l" t="t" r="r" b="b"/>
-            <a:pathLst>
-              <a:path w="2434045" h="2435676">
-                <a:moveTo>
-                  <a:pt x="0" y="0"/>
-                </a:moveTo>
-                <a:lnTo>
-                  <a:pt x="2434045" y="0"/>
-                </a:lnTo>
-                <a:lnTo>
-                  <a:pt x="2434045" y="2435676"/>
-                </a:lnTo>
-                <a:lnTo>
-                  <a:pt x="0" y="2435676"/>
-                </a:lnTo>
-                <a:close/>
-              </a:path>
-            </a:pathLst>
-          </a:custGeom>
-        </p:spPr>
-      </p:pic>
-      <p:pic>
-        <p:nvPicPr>
-          <p:cNvPr id="10" name="Picture 9" descr="Logo&#10;&#10;Description automatically generated">
-            <a:extLst>
-              <a:ext uri="{FF2B5EF4-FFF2-40B4-BE49-F238E27FC236}">
-                <a16:creationId xmlns:a16="http://schemas.microsoft.com/office/drawing/2014/main" id="{65164C21-0E00-2C4D-AB33-F4068A4EA30E}"/>
-              </a:ext>
-            </a:extLst>
-          </p:cNvPr>
-          <p:cNvPicPr>
-            <a:picLocks noChangeAspect="1"/>
-          </p:cNvPicPr>
-          <p:nvPr/>
-        </p:nvPicPr>
-        <p:blipFill>
-          <a:blip r:embed="rId3"/>
-          <a:stretch>
-            <a:fillRect/>
-          </a:stretch>
-        </p:blipFill>
-        <p:spPr>
-          <a:xfrm>
-            <a:off x="9207093" y="3873865"/>
-            <a:ext cx="2434045" cy="2434045"/>
-          </a:xfrm>
-          <a:custGeom>
-            <a:avLst/>
-            <a:gdLst/>
-            <a:ahLst/>
-            <a:cxnLst/>
-            <a:rect l="l" t="t" r="r" b="b"/>
-            <a:pathLst>
-              <a:path w="5093106" h="3072225">
-                <a:moveTo>
-                  <a:pt x="0" y="0"/>
-                </a:moveTo>
-                <a:lnTo>
-                  <a:pt x="5093106" y="0"/>
-                </a:lnTo>
-                <a:lnTo>
-                  <a:pt x="5093106" y="3072225"/>
-                </a:lnTo>
-                <a:lnTo>
-                  <a:pt x="0" y="3072225"/>
-                </a:lnTo>
-                <a:close/>
-              </a:path>
-            </a:pathLst>
-          </a:custGeom>
-        </p:spPr>
-      </p:pic>
-      <p:pic>
-        <p:nvPicPr>
-          <p:cNvPr id="4" name="Picture 3">
-            <a:extLst>
-              <a:ext uri="{FF2B5EF4-FFF2-40B4-BE49-F238E27FC236}">
-                <a16:creationId xmlns:a16="http://schemas.microsoft.com/office/drawing/2014/main" id="{B348A585-48C2-024C-89E1-C40C61D7C116}"/>
-              </a:ext>
-            </a:extLst>
-          </p:cNvPr>
-          <p:cNvPicPr>
-            <a:picLocks noChangeAspect="1"/>
-          </p:cNvPicPr>
-          <p:nvPr/>
-        </p:nvPicPr>
-        <p:blipFill>
-          <a:blip r:embed="rId4"/>
-          <a:stretch>
-            <a:fillRect/>
-          </a:stretch>
-        </p:blipFill>
-        <p:spPr>
-          <a:xfrm>
-            <a:off x="7986560" y="354968"/>
-            <a:ext cx="2463800" cy="3162300"/>
-          </a:xfrm>
-          <a:prstGeom prst="rect">
-            <a:avLst/>
-          </a:prstGeom>
-        </p:spPr>
-      </p:pic>
-    </p:spTree>
-    <p:extLst>
-      <p:ext uri="{BB962C8B-B14F-4D97-AF65-F5344CB8AC3E}">
-        <p14:creationId xmlns:p14="http://schemas.microsoft.com/office/powerpoint/2010/main" val="1927737089"/>
       </p:ext>
     </p:extLst>
   </p:cSld>
